--- a/picture.pptx
+++ b/picture.pptx
@@ -15,6 +15,8 @@
     <p:sldId id="264" r:id="rId9"/>
     <p:sldId id="265" r:id="rId10"/>
     <p:sldId id="266" r:id="rId11"/>
+    <p:sldId id="267" r:id="rId12"/>
+    <p:sldId id="268" r:id="rId13"/>
   </p:sldIdLst>
   <p:sldSz cx="12192000" cy="6858000"/>
   <p:notesSz cx="6858000" cy="9144000"/>
@@ -272,7 +274,7 @@
           <a:p>
             <a:fld id="{A9384E5F-E0F3-45C7-99B0-170845732DB3}" type="datetimeFigureOut">
               <a:rPr lang="zh-CN" altLang="en-US" smtClean="0"/>
-              <a:t>2018/1/24</a:t>
+              <a:t>2018/1/26</a:t>
             </a:fld>
             <a:endParaRPr lang="zh-CN" altLang="en-US"/>
           </a:p>
@@ -470,7 +472,7 @@
           <a:p>
             <a:fld id="{A9384E5F-E0F3-45C7-99B0-170845732DB3}" type="datetimeFigureOut">
               <a:rPr lang="zh-CN" altLang="en-US" smtClean="0"/>
-              <a:t>2018/1/24</a:t>
+              <a:t>2018/1/26</a:t>
             </a:fld>
             <a:endParaRPr lang="zh-CN" altLang="en-US"/>
           </a:p>
@@ -678,7 +680,7 @@
           <a:p>
             <a:fld id="{A9384E5F-E0F3-45C7-99B0-170845732DB3}" type="datetimeFigureOut">
               <a:rPr lang="zh-CN" altLang="en-US" smtClean="0"/>
-              <a:t>2018/1/24</a:t>
+              <a:t>2018/1/26</a:t>
             </a:fld>
             <a:endParaRPr lang="zh-CN" altLang="en-US"/>
           </a:p>
@@ -876,7 +878,7 @@
           <a:p>
             <a:fld id="{A9384E5F-E0F3-45C7-99B0-170845732DB3}" type="datetimeFigureOut">
               <a:rPr lang="zh-CN" altLang="en-US" smtClean="0"/>
-              <a:t>2018/1/24</a:t>
+              <a:t>2018/1/26</a:t>
             </a:fld>
             <a:endParaRPr lang="zh-CN" altLang="en-US"/>
           </a:p>
@@ -1151,7 +1153,7 @@
           <a:p>
             <a:fld id="{A9384E5F-E0F3-45C7-99B0-170845732DB3}" type="datetimeFigureOut">
               <a:rPr lang="zh-CN" altLang="en-US" smtClean="0"/>
-              <a:t>2018/1/24</a:t>
+              <a:t>2018/1/26</a:t>
             </a:fld>
             <a:endParaRPr lang="zh-CN" altLang="en-US"/>
           </a:p>
@@ -1416,7 +1418,7 @@
           <a:p>
             <a:fld id="{A9384E5F-E0F3-45C7-99B0-170845732DB3}" type="datetimeFigureOut">
               <a:rPr lang="zh-CN" altLang="en-US" smtClean="0"/>
-              <a:t>2018/1/24</a:t>
+              <a:t>2018/1/26</a:t>
             </a:fld>
             <a:endParaRPr lang="zh-CN" altLang="en-US"/>
           </a:p>
@@ -1828,7 +1830,7 @@
           <a:p>
             <a:fld id="{A9384E5F-E0F3-45C7-99B0-170845732DB3}" type="datetimeFigureOut">
               <a:rPr lang="zh-CN" altLang="en-US" smtClean="0"/>
-              <a:t>2018/1/24</a:t>
+              <a:t>2018/1/26</a:t>
             </a:fld>
             <a:endParaRPr lang="zh-CN" altLang="en-US"/>
           </a:p>
@@ -1969,7 +1971,7 @@
           <a:p>
             <a:fld id="{A9384E5F-E0F3-45C7-99B0-170845732DB3}" type="datetimeFigureOut">
               <a:rPr lang="zh-CN" altLang="en-US" smtClean="0"/>
-              <a:t>2018/1/24</a:t>
+              <a:t>2018/1/26</a:t>
             </a:fld>
             <a:endParaRPr lang="zh-CN" altLang="en-US"/>
           </a:p>
@@ -2082,7 +2084,7 @@
           <a:p>
             <a:fld id="{A9384E5F-E0F3-45C7-99B0-170845732DB3}" type="datetimeFigureOut">
               <a:rPr lang="zh-CN" altLang="en-US" smtClean="0"/>
-              <a:t>2018/1/24</a:t>
+              <a:t>2018/1/26</a:t>
             </a:fld>
             <a:endParaRPr lang="zh-CN" altLang="en-US"/>
           </a:p>
@@ -2393,7 +2395,7 @@
           <a:p>
             <a:fld id="{A9384E5F-E0F3-45C7-99B0-170845732DB3}" type="datetimeFigureOut">
               <a:rPr lang="zh-CN" altLang="en-US" smtClean="0"/>
-              <a:t>2018/1/24</a:t>
+              <a:t>2018/1/26</a:t>
             </a:fld>
             <a:endParaRPr lang="zh-CN" altLang="en-US"/>
           </a:p>
@@ -2681,7 +2683,7 @@
           <a:p>
             <a:fld id="{A9384E5F-E0F3-45C7-99B0-170845732DB3}" type="datetimeFigureOut">
               <a:rPr lang="zh-CN" altLang="en-US" smtClean="0"/>
-              <a:t>2018/1/24</a:t>
+              <a:t>2018/1/26</a:t>
             </a:fld>
             <a:endParaRPr lang="zh-CN" altLang="en-US"/>
           </a:p>
@@ -2922,7 +2924,7 @@
           <a:p>
             <a:fld id="{A9384E5F-E0F3-45C7-99B0-170845732DB3}" type="datetimeFigureOut">
               <a:rPr lang="zh-CN" altLang="en-US" smtClean="0"/>
-              <a:t>2018/1/24</a:t>
+              <a:t>2018/1/26</a:t>
             </a:fld>
             <a:endParaRPr lang="zh-CN" altLang="en-US"/>
           </a:p>
@@ -3758,8 +3760,8 @@
           </a:p>
         </p:txBody>
       </p:sp>
-      <mc:AlternateContent xmlns:mc="http://schemas.openxmlformats.org/markup-compatibility/2006">
-        <mc:Choice xmlns:a14="http://schemas.microsoft.com/office/drawing/2010/main" Requires="a14">
+      <mc:AlternateContent xmlns:mc="http://schemas.openxmlformats.org/markup-compatibility/2006" xmlns:a14="http://schemas.microsoft.com/office/drawing/2010/main">
+        <mc:Choice Requires="a14">
           <p:sp>
             <p:nvSpPr>
               <p:cNvPr id="67" name="文本框 66">
@@ -3788,6 +3790,7 @@
               </a:bodyPr>
               <a:lstStyle/>
               <a:p>
+                <a:pPr/>
                 <a14:m>
                   <m:oMathPara xmlns:m="http://schemas.openxmlformats.org/officeDocument/2006/math">
                     <m:oMathParaPr>
@@ -3808,7 +3811,7 @@
             </p:txBody>
           </p:sp>
         </mc:Choice>
-        <mc:Fallback>
+        <mc:Fallback xmlns="">
           <p:sp>
             <p:nvSpPr>
               <p:cNvPr id="67" name="文本框 66">
@@ -3853,8 +3856,8 @@
           </p:sp>
         </mc:Fallback>
       </mc:AlternateContent>
-      <mc:AlternateContent xmlns:mc="http://schemas.openxmlformats.org/markup-compatibility/2006">
-        <mc:Choice xmlns:a14="http://schemas.microsoft.com/office/drawing/2010/main" Requires="a14">
+      <mc:AlternateContent xmlns:mc="http://schemas.openxmlformats.org/markup-compatibility/2006" xmlns:a14="http://schemas.microsoft.com/office/drawing/2010/main">
+        <mc:Choice Requires="a14">
           <p:sp>
             <p:nvSpPr>
               <p:cNvPr id="68" name="文本框 67">
@@ -3883,6 +3886,7 @@
               </a:bodyPr>
               <a:lstStyle/>
               <a:p>
+                <a:pPr/>
                 <a14:m>
                   <m:oMathPara xmlns:m="http://schemas.openxmlformats.org/officeDocument/2006/math">
                     <m:oMathParaPr>
@@ -3903,7 +3907,7 @@
             </p:txBody>
           </p:sp>
         </mc:Choice>
-        <mc:Fallback>
+        <mc:Fallback xmlns="">
           <p:sp>
             <p:nvSpPr>
               <p:cNvPr id="68" name="文本框 67">
@@ -3948,8 +3952,8 @@
           </p:sp>
         </mc:Fallback>
       </mc:AlternateContent>
-      <mc:AlternateContent xmlns:mc="http://schemas.openxmlformats.org/markup-compatibility/2006">
-        <mc:Choice xmlns:a14="http://schemas.microsoft.com/office/drawing/2010/main" Requires="a14">
+      <mc:AlternateContent xmlns:mc="http://schemas.openxmlformats.org/markup-compatibility/2006" xmlns:a14="http://schemas.microsoft.com/office/drawing/2010/main">
+        <mc:Choice Requires="a14">
           <p:sp>
             <p:nvSpPr>
               <p:cNvPr id="69" name="文本框 68">
@@ -3978,6 +3982,7 @@
               </a:bodyPr>
               <a:lstStyle/>
               <a:p>
+                <a:pPr/>
                 <a14:m>
                   <m:oMathPara xmlns:m="http://schemas.openxmlformats.org/officeDocument/2006/math">
                     <m:oMathParaPr>
@@ -3998,7 +4003,7 @@
             </p:txBody>
           </p:sp>
         </mc:Choice>
-        <mc:Fallback>
+        <mc:Fallback xmlns="">
           <p:sp>
             <p:nvSpPr>
               <p:cNvPr id="69" name="文本框 68">
@@ -4043,8 +4048,8 @@
           </p:sp>
         </mc:Fallback>
       </mc:AlternateContent>
-      <mc:AlternateContent xmlns:mc="http://schemas.openxmlformats.org/markup-compatibility/2006">
-        <mc:Choice xmlns:a14="http://schemas.microsoft.com/office/drawing/2010/main" Requires="a14">
+      <mc:AlternateContent xmlns:mc="http://schemas.openxmlformats.org/markup-compatibility/2006" xmlns:a14="http://schemas.microsoft.com/office/drawing/2010/main">
+        <mc:Choice Requires="a14">
           <p:sp>
             <p:nvSpPr>
               <p:cNvPr id="70" name="文本框 69">
@@ -4073,6 +4078,7 @@
               </a:bodyPr>
               <a:lstStyle/>
               <a:p>
+                <a:pPr/>
                 <a14:m>
                   <m:oMathPara xmlns:m="http://schemas.openxmlformats.org/officeDocument/2006/math">
                     <m:oMathParaPr>
@@ -4093,7 +4099,7 @@
             </p:txBody>
           </p:sp>
         </mc:Choice>
-        <mc:Fallback>
+        <mc:Fallback xmlns="">
           <p:sp>
             <p:nvSpPr>
               <p:cNvPr id="70" name="文本框 69">
@@ -4138,8 +4144,8 @@
           </p:sp>
         </mc:Fallback>
       </mc:AlternateContent>
-      <mc:AlternateContent xmlns:mc="http://schemas.openxmlformats.org/markup-compatibility/2006">
-        <mc:Choice xmlns:a14="http://schemas.microsoft.com/office/drawing/2010/main" Requires="a14">
+      <mc:AlternateContent xmlns:mc="http://schemas.openxmlformats.org/markup-compatibility/2006" xmlns:a14="http://schemas.microsoft.com/office/drawing/2010/main">
+        <mc:Choice Requires="a14">
           <p:sp>
             <p:nvSpPr>
               <p:cNvPr id="71" name="文本框 70">
@@ -4168,6 +4174,7 @@
               </a:bodyPr>
               <a:lstStyle/>
               <a:p>
+                <a:pPr/>
                 <a14:m>
                   <m:oMathPara xmlns:m="http://schemas.openxmlformats.org/officeDocument/2006/math">
                     <m:oMathParaPr>
@@ -4188,7 +4195,7 @@
             </p:txBody>
           </p:sp>
         </mc:Choice>
-        <mc:Fallback>
+        <mc:Fallback xmlns="">
           <p:sp>
             <p:nvSpPr>
               <p:cNvPr id="71" name="文本框 70">
@@ -4479,8 +4486,8 @@
           </a:fontRef>
         </p:style>
       </p:cxnSp>
-      <mc:AlternateContent xmlns:mc="http://schemas.openxmlformats.org/markup-compatibility/2006">
-        <mc:Choice xmlns:a14="http://schemas.microsoft.com/office/drawing/2010/main" Requires="a14">
+      <mc:AlternateContent xmlns:mc="http://schemas.openxmlformats.org/markup-compatibility/2006" xmlns:a14="http://schemas.microsoft.com/office/drawing/2010/main">
+        <mc:Choice Requires="a14">
           <p:sp>
             <p:nvSpPr>
               <p:cNvPr id="79" name="文本框 78">
@@ -4509,6 +4516,7 @@
               </a:bodyPr>
               <a:lstStyle/>
               <a:p>
+                <a:pPr/>
                 <a14:m>
                   <m:oMathPara xmlns:m="http://schemas.openxmlformats.org/officeDocument/2006/math">
                     <m:oMathParaPr>
@@ -4529,7 +4537,7 @@
             </p:txBody>
           </p:sp>
         </mc:Choice>
-        <mc:Fallback>
+        <mc:Fallback xmlns="">
           <p:sp>
             <p:nvSpPr>
               <p:cNvPr id="79" name="文本框 78">
@@ -4574,8 +4582,8 @@
           </p:sp>
         </mc:Fallback>
       </mc:AlternateContent>
-      <mc:AlternateContent xmlns:mc="http://schemas.openxmlformats.org/markup-compatibility/2006">
-        <mc:Choice xmlns:a14="http://schemas.microsoft.com/office/drawing/2010/main" Requires="a14">
+      <mc:AlternateContent xmlns:mc="http://schemas.openxmlformats.org/markup-compatibility/2006" xmlns:a14="http://schemas.microsoft.com/office/drawing/2010/main">
+        <mc:Choice Requires="a14">
           <p:sp>
             <p:nvSpPr>
               <p:cNvPr id="82" name="文本框 81">
@@ -4604,6 +4612,7 @@
               </a:bodyPr>
               <a:lstStyle/>
               <a:p>
+                <a:pPr/>
                 <a14:m>
                   <m:oMathPara xmlns:m="http://schemas.openxmlformats.org/officeDocument/2006/math">
                     <m:oMathParaPr>
@@ -4624,7 +4633,7 @@
             </p:txBody>
           </p:sp>
         </mc:Choice>
-        <mc:Fallback>
+        <mc:Fallback xmlns="">
           <p:sp>
             <p:nvSpPr>
               <p:cNvPr id="82" name="文本框 81">
@@ -5245,8 +5254,8 @@
           </a:fontRef>
         </p:style>
       </p:cxnSp>
-      <mc:AlternateContent xmlns:mc="http://schemas.openxmlformats.org/markup-compatibility/2006">
-        <mc:Choice xmlns:a14="http://schemas.microsoft.com/office/drawing/2010/main" Requires="a14">
+      <mc:AlternateContent xmlns:mc="http://schemas.openxmlformats.org/markup-compatibility/2006" xmlns:a14="http://schemas.microsoft.com/office/drawing/2010/main">
+        <mc:Choice Requires="a14">
           <p:sp>
             <p:nvSpPr>
               <p:cNvPr id="101" name="文本框 100">
@@ -5275,6 +5284,7 @@
               </a:bodyPr>
               <a:lstStyle/>
               <a:p>
+                <a:pPr/>
                 <a14:m>
                   <m:oMathPara xmlns:m="http://schemas.openxmlformats.org/officeDocument/2006/math">
                     <m:oMathParaPr>
@@ -5295,7 +5305,7 @@
             </p:txBody>
           </p:sp>
         </mc:Choice>
-        <mc:Fallback>
+        <mc:Fallback xmlns="">
           <p:sp>
             <p:nvSpPr>
               <p:cNvPr id="101" name="文本框 100">
@@ -5340,8 +5350,8 @@
           </p:sp>
         </mc:Fallback>
       </mc:AlternateContent>
-      <mc:AlternateContent xmlns:mc="http://schemas.openxmlformats.org/markup-compatibility/2006">
-        <mc:Choice xmlns:a14="http://schemas.microsoft.com/office/drawing/2010/main" Requires="a14">
+      <mc:AlternateContent xmlns:mc="http://schemas.openxmlformats.org/markup-compatibility/2006" xmlns:a14="http://schemas.microsoft.com/office/drawing/2010/main">
+        <mc:Choice Requires="a14">
           <p:sp>
             <p:nvSpPr>
               <p:cNvPr id="102" name="文本框 101">
@@ -5370,6 +5380,7 @@
               </a:bodyPr>
               <a:lstStyle/>
               <a:p>
+                <a:pPr/>
                 <a14:m>
                   <m:oMathPara xmlns:m="http://schemas.openxmlformats.org/officeDocument/2006/math">
                     <m:oMathParaPr>
@@ -5390,7 +5401,7 @@
             </p:txBody>
           </p:sp>
         </mc:Choice>
-        <mc:Fallback>
+        <mc:Fallback xmlns="">
           <p:sp>
             <p:nvSpPr>
               <p:cNvPr id="102" name="文本框 101">
@@ -5435,8 +5446,8 @@
           </p:sp>
         </mc:Fallback>
       </mc:AlternateContent>
-      <mc:AlternateContent xmlns:mc="http://schemas.openxmlformats.org/markup-compatibility/2006">
-        <mc:Choice xmlns:a14="http://schemas.microsoft.com/office/drawing/2010/main" Requires="a14">
+      <mc:AlternateContent xmlns:mc="http://schemas.openxmlformats.org/markup-compatibility/2006" xmlns:a14="http://schemas.microsoft.com/office/drawing/2010/main">
+        <mc:Choice Requires="a14">
           <p:sp>
             <p:nvSpPr>
               <p:cNvPr id="103" name="文本框 102">
@@ -5465,6 +5476,7 @@
               </a:bodyPr>
               <a:lstStyle/>
               <a:p>
+                <a:pPr/>
                 <a14:m>
                   <m:oMathPara xmlns:m="http://schemas.openxmlformats.org/officeDocument/2006/math">
                     <m:oMathParaPr>
@@ -5485,7 +5497,7 @@
             </p:txBody>
           </p:sp>
         </mc:Choice>
-        <mc:Fallback>
+        <mc:Fallback xmlns="">
           <p:sp>
             <p:nvSpPr>
               <p:cNvPr id="103" name="文本框 102">
@@ -5530,8 +5542,8 @@
           </p:sp>
         </mc:Fallback>
       </mc:AlternateContent>
-      <mc:AlternateContent xmlns:mc="http://schemas.openxmlformats.org/markup-compatibility/2006">
-        <mc:Choice xmlns:a14="http://schemas.microsoft.com/office/drawing/2010/main" Requires="a14">
+      <mc:AlternateContent xmlns:mc="http://schemas.openxmlformats.org/markup-compatibility/2006" xmlns:a14="http://schemas.microsoft.com/office/drawing/2010/main">
+        <mc:Choice Requires="a14">
           <p:sp>
             <p:nvSpPr>
               <p:cNvPr id="104" name="文本框 103">
@@ -5560,6 +5572,7 @@
               </a:bodyPr>
               <a:lstStyle/>
               <a:p>
+                <a:pPr/>
                 <a14:m>
                   <m:oMathPara xmlns:m="http://schemas.openxmlformats.org/officeDocument/2006/math">
                     <m:oMathParaPr>
@@ -5569,7 +5582,7 @@
                       <m:sSub>
                         <m:sSubPr>
                           <m:ctrlPr>
-                            <a:rPr lang="zh-CN" altLang="en-US" dirty="0" smtClean="0">
+                            <a:rPr lang="zh-CN" altLang="en-US" i="1" dirty="0" smtClean="0">
                               <a:latin typeface="Cambria Math" panose="02040503050406030204" pitchFamily="18" charset="0"/>
                             </a:rPr>
                           </m:ctrlPr>
@@ -5614,7 +5627,7 @@
             </p:txBody>
           </p:sp>
         </mc:Choice>
-        <mc:Fallback>
+        <mc:Fallback xmlns="">
           <p:sp>
             <p:nvSpPr>
               <p:cNvPr id="104" name="文本框 103">
@@ -5659,8 +5672,8 @@
           </p:sp>
         </mc:Fallback>
       </mc:AlternateContent>
-      <mc:AlternateContent xmlns:mc="http://schemas.openxmlformats.org/markup-compatibility/2006">
-        <mc:Choice xmlns:a14="http://schemas.microsoft.com/office/drawing/2010/main" Requires="a14">
+      <mc:AlternateContent xmlns:mc="http://schemas.openxmlformats.org/markup-compatibility/2006" xmlns:a14="http://schemas.microsoft.com/office/drawing/2010/main">
+        <mc:Choice Requires="a14">
           <p:sp>
             <p:nvSpPr>
               <p:cNvPr id="105" name="文本框 104">
@@ -5689,6 +5702,7 @@
               </a:bodyPr>
               <a:lstStyle/>
               <a:p>
+                <a:pPr/>
                 <a14:m>
                   <m:oMathPara xmlns:m="http://schemas.openxmlformats.org/officeDocument/2006/math">
                     <m:oMathParaPr>
@@ -5698,7 +5712,7 @@
                       <m:sSub>
                         <m:sSubPr>
                           <m:ctrlPr>
-                            <a:rPr lang="zh-CN" altLang="en-US" dirty="0" smtClean="0">
+                            <a:rPr lang="zh-CN" altLang="en-US" i="1" dirty="0" smtClean="0">
                               <a:latin typeface="Cambria Math" panose="02040503050406030204" pitchFamily="18" charset="0"/>
                             </a:rPr>
                           </m:ctrlPr>
@@ -5737,7 +5751,7 @@
             </p:txBody>
           </p:sp>
         </mc:Choice>
-        <mc:Fallback>
+        <mc:Fallback xmlns="">
           <p:sp>
             <p:nvSpPr>
               <p:cNvPr id="105" name="文本框 104">
@@ -5782,8 +5796,8 @@
           </p:sp>
         </mc:Fallback>
       </mc:AlternateContent>
-      <mc:AlternateContent xmlns:mc="http://schemas.openxmlformats.org/markup-compatibility/2006">
-        <mc:Choice xmlns:a14="http://schemas.microsoft.com/office/drawing/2010/main" Requires="a14">
+      <mc:AlternateContent xmlns:mc="http://schemas.openxmlformats.org/markup-compatibility/2006" xmlns:a14="http://schemas.microsoft.com/office/drawing/2010/main">
+        <mc:Choice Requires="a14">
           <p:sp>
             <p:nvSpPr>
               <p:cNvPr id="106" name="文本框 105">
@@ -5812,6 +5826,7 @@
               </a:bodyPr>
               <a:lstStyle/>
               <a:p>
+                <a:pPr/>
                 <a14:m>
                   <m:oMathPara xmlns:m="http://schemas.openxmlformats.org/officeDocument/2006/math">
                     <m:oMathParaPr>
@@ -5821,7 +5836,7 @@
                       <m:sSub>
                         <m:sSubPr>
                           <m:ctrlPr>
-                            <a:rPr lang="zh-CN" altLang="en-US" dirty="0" smtClean="0">
+                            <a:rPr lang="zh-CN" altLang="en-US" i="1" dirty="0" smtClean="0">
                               <a:latin typeface="Cambria Math" panose="02040503050406030204" pitchFamily="18" charset="0"/>
                             </a:rPr>
                           </m:ctrlPr>
@@ -5851,7 +5866,7 @@
             </p:txBody>
           </p:sp>
         </mc:Choice>
-        <mc:Fallback>
+        <mc:Fallback xmlns="">
           <p:sp>
             <p:nvSpPr>
               <p:cNvPr id="106" name="文本框 105">
@@ -5896,8 +5911,8 @@
           </p:sp>
         </mc:Fallback>
       </mc:AlternateContent>
-      <mc:AlternateContent xmlns:mc="http://schemas.openxmlformats.org/markup-compatibility/2006">
-        <mc:Choice xmlns:a14="http://schemas.microsoft.com/office/drawing/2010/main" Requires="a14">
+      <mc:AlternateContent xmlns:mc="http://schemas.openxmlformats.org/markup-compatibility/2006" xmlns:a14="http://schemas.microsoft.com/office/drawing/2010/main">
+        <mc:Choice Requires="a14">
           <p:sp>
             <p:nvSpPr>
               <p:cNvPr id="107" name="文本框 106">
@@ -5926,6 +5941,7 @@
               </a:bodyPr>
               <a:lstStyle/>
               <a:p>
+                <a:pPr/>
                 <a14:m>
                   <m:oMathPara xmlns:m="http://schemas.openxmlformats.org/officeDocument/2006/math">
                     <m:oMathParaPr>
@@ -5935,7 +5951,7 @@
                       <m:sSub>
                         <m:sSubPr>
                           <m:ctrlPr>
-                            <a:rPr lang="zh-CN" altLang="en-US" dirty="0" smtClean="0">
+                            <a:rPr lang="zh-CN" altLang="en-US" i="1" dirty="0" smtClean="0">
                               <a:latin typeface="Cambria Math" panose="02040503050406030204" pitchFamily="18" charset="0"/>
                             </a:rPr>
                           </m:ctrlPr>
@@ -5980,7 +5996,7 @@
             </p:txBody>
           </p:sp>
         </mc:Choice>
-        <mc:Fallback>
+        <mc:Fallback xmlns="">
           <p:sp>
             <p:nvSpPr>
               <p:cNvPr id="107" name="文本框 106">
@@ -6025,8 +6041,8 @@
           </p:sp>
         </mc:Fallback>
       </mc:AlternateContent>
-      <mc:AlternateContent xmlns:mc="http://schemas.openxmlformats.org/markup-compatibility/2006">
-        <mc:Choice xmlns:a14="http://schemas.microsoft.com/office/drawing/2010/main" Requires="a14">
+      <mc:AlternateContent xmlns:mc="http://schemas.openxmlformats.org/markup-compatibility/2006" xmlns:a14="http://schemas.microsoft.com/office/drawing/2010/main">
+        <mc:Choice Requires="a14">
           <p:sp>
             <p:nvSpPr>
               <p:cNvPr id="108" name="文本框 107">
@@ -6055,6 +6071,7 @@
               </a:bodyPr>
               <a:lstStyle/>
               <a:p>
+                <a:pPr/>
                 <a14:m>
                   <m:oMathPara xmlns:m="http://schemas.openxmlformats.org/officeDocument/2006/math">
                     <m:oMathParaPr>
@@ -6064,7 +6081,7 @@
                       <m:sSub>
                         <m:sSubPr>
                           <m:ctrlPr>
-                            <a:rPr lang="zh-CN" altLang="en-US" dirty="0" smtClean="0">
+                            <a:rPr lang="zh-CN" altLang="en-US" i="1" dirty="0" smtClean="0">
                               <a:latin typeface="Cambria Math" panose="02040503050406030204" pitchFamily="18" charset="0"/>
                             </a:rPr>
                           </m:ctrlPr>
@@ -6097,7 +6114,7 @@
             </p:txBody>
           </p:sp>
         </mc:Choice>
-        <mc:Fallback>
+        <mc:Fallback xmlns="">
           <p:sp>
             <p:nvSpPr>
               <p:cNvPr id="108" name="文本框 107">
@@ -6142,8 +6159,8 @@
           </p:sp>
         </mc:Fallback>
       </mc:AlternateContent>
-      <mc:AlternateContent xmlns:mc="http://schemas.openxmlformats.org/markup-compatibility/2006">
-        <mc:Choice xmlns:a14="http://schemas.microsoft.com/office/drawing/2010/main" Requires="a14">
+      <mc:AlternateContent xmlns:mc="http://schemas.openxmlformats.org/markup-compatibility/2006" xmlns:a14="http://schemas.microsoft.com/office/drawing/2010/main">
+        <mc:Choice Requires="a14">
           <p:sp>
             <p:nvSpPr>
               <p:cNvPr id="109" name="文本框 108">
@@ -6172,6 +6189,7 @@
               </a:bodyPr>
               <a:lstStyle/>
               <a:p>
+                <a:pPr/>
                 <a14:m>
                   <m:oMathPara xmlns:m="http://schemas.openxmlformats.org/officeDocument/2006/math">
                     <m:oMathParaPr>
@@ -6181,7 +6199,7 @@
                       <m:sSub>
                         <m:sSubPr>
                           <m:ctrlPr>
-                            <a:rPr lang="zh-CN" altLang="en-US" dirty="0" smtClean="0">
+                            <a:rPr lang="zh-CN" altLang="en-US" i="1" dirty="0" smtClean="0">
                               <a:latin typeface="Cambria Math" panose="02040503050406030204" pitchFamily="18" charset="0"/>
                             </a:rPr>
                           </m:ctrlPr>
@@ -6220,7 +6238,7 @@
             </p:txBody>
           </p:sp>
         </mc:Choice>
-        <mc:Fallback>
+        <mc:Fallback xmlns="">
           <p:sp>
             <p:nvSpPr>
               <p:cNvPr id="109" name="文本框 108">
@@ -6265,8 +6283,8 @@
           </p:sp>
         </mc:Fallback>
       </mc:AlternateContent>
-      <mc:AlternateContent xmlns:mc="http://schemas.openxmlformats.org/markup-compatibility/2006">
-        <mc:Choice xmlns:a14="http://schemas.microsoft.com/office/drawing/2010/main" Requires="a14">
+      <mc:AlternateContent xmlns:mc="http://schemas.openxmlformats.org/markup-compatibility/2006" xmlns:a14="http://schemas.microsoft.com/office/drawing/2010/main">
+        <mc:Choice Requires="a14">
           <p:sp>
             <p:nvSpPr>
               <p:cNvPr id="110" name="文本框 109">
@@ -6295,6 +6313,7 @@
               </a:bodyPr>
               <a:lstStyle/>
               <a:p>
+                <a:pPr/>
                 <a14:m>
                   <m:oMathPara xmlns:m="http://schemas.openxmlformats.org/officeDocument/2006/math">
                     <m:oMathParaPr>
@@ -6304,7 +6323,7 @@
                       <m:sSub>
                         <m:sSubPr>
                           <m:ctrlPr>
-                            <a:rPr lang="zh-CN" altLang="en-US" dirty="0" smtClean="0">
+                            <a:rPr lang="zh-CN" altLang="en-US" i="1" dirty="0" smtClean="0">
                               <a:latin typeface="Cambria Math" panose="02040503050406030204" pitchFamily="18" charset="0"/>
                             </a:rPr>
                           </m:ctrlPr>
@@ -6343,7 +6362,7 @@
             </p:txBody>
           </p:sp>
         </mc:Choice>
-        <mc:Fallback>
+        <mc:Fallback xmlns="">
           <p:sp>
             <p:nvSpPr>
               <p:cNvPr id="110" name="文本框 109">
@@ -6483,8 +6502,8 @@
           </a:p>
         </p:txBody>
       </p:sp>
-      <mc:AlternateContent xmlns:mc="http://schemas.openxmlformats.org/markup-compatibility/2006">
-        <mc:Choice xmlns:a14="http://schemas.microsoft.com/office/drawing/2010/main" Requires="a14">
+      <mc:AlternateContent xmlns:mc="http://schemas.openxmlformats.org/markup-compatibility/2006" xmlns:a14="http://schemas.microsoft.com/office/drawing/2010/main">
+        <mc:Choice Requires="a14">
           <p:sp>
             <p:nvSpPr>
               <p:cNvPr id="114" name="文本框 113">
@@ -6513,6 +6532,7 @@
               </a:bodyPr>
               <a:lstStyle/>
               <a:p>
+                <a:pPr/>
                 <a14:m>
                   <m:oMathPara xmlns:m="http://schemas.openxmlformats.org/officeDocument/2006/math">
                     <m:oMathParaPr>
@@ -6522,7 +6542,7 @@
                       <m:sSup>
                         <m:sSupPr>
                           <m:ctrlPr>
-                            <a:rPr lang="zh-CN" altLang="en-US" smtClean="0">
+                            <a:rPr lang="zh-CN" altLang="en-US" i="1" smtClean="0">
                               <a:latin typeface="Cambria Math" panose="02040503050406030204" pitchFamily="18" charset="0"/>
                             </a:rPr>
                           </m:ctrlPr>
@@ -6552,7 +6572,7 @@
             </p:txBody>
           </p:sp>
         </mc:Choice>
-        <mc:Fallback>
+        <mc:Fallback xmlns="">
           <p:sp>
             <p:nvSpPr>
               <p:cNvPr id="114" name="文本框 113">
@@ -6597,8 +6617,8 @@
           </p:sp>
         </mc:Fallback>
       </mc:AlternateContent>
-      <mc:AlternateContent xmlns:mc="http://schemas.openxmlformats.org/markup-compatibility/2006">
-        <mc:Choice xmlns:a14="http://schemas.microsoft.com/office/drawing/2010/main" Requires="a14">
+      <mc:AlternateContent xmlns:mc="http://schemas.openxmlformats.org/markup-compatibility/2006" xmlns:a14="http://schemas.microsoft.com/office/drawing/2010/main">
+        <mc:Choice Requires="a14">
           <p:sp>
             <p:nvSpPr>
               <p:cNvPr id="115" name="文本框 114">
@@ -6627,6 +6647,7 @@
               </a:bodyPr>
               <a:lstStyle/>
               <a:p>
+                <a:pPr/>
                 <a14:m>
                   <m:oMathPara xmlns:m="http://schemas.openxmlformats.org/officeDocument/2006/math">
                     <m:oMathParaPr>
@@ -6647,7 +6668,7 @@
             </p:txBody>
           </p:sp>
         </mc:Choice>
-        <mc:Fallback>
+        <mc:Fallback xmlns="">
           <p:sp>
             <p:nvSpPr>
               <p:cNvPr id="115" name="文本框 114">
@@ -6692,8 +6713,8 @@
           </p:sp>
         </mc:Fallback>
       </mc:AlternateContent>
-      <mc:AlternateContent xmlns:mc="http://schemas.openxmlformats.org/markup-compatibility/2006">
-        <mc:Choice xmlns:a14="http://schemas.microsoft.com/office/drawing/2010/main" Requires="a14">
+      <mc:AlternateContent xmlns:mc="http://schemas.openxmlformats.org/markup-compatibility/2006" xmlns:a14="http://schemas.microsoft.com/office/drawing/2010/main">
+        <mc:Choice Requires="a14">
           <p:sp>
             <p:nvSpPr>
               <p:cNvPr id="116" name="文本框 115">
@@ -6722,6 +6743,7 @@
               </a:bodyPr>
               <a:lstStyle/>
               <a:p>
+                <a:pPr/>
                 <a14:m>
                   <m:oMathPara xmlns:m="http://schemas.openxmlformats.org/officeDocument/2006/math">
                     <m:oMathParaPr>
@@ -6731,7 +6753,7 @@
                       <m:sSub>
                         <m:sSubPr>
                           <m:ctrlPr>
-                            <a:rPr lang="zh-CN" altLang="en-US" dirty="0" smtClean="0">
+                            <a:rPr lang="zh-CN" altLang="en-US" i="1" dirty="0" smtClean="0">
                               <a:latin typeface="Cambria Math" panose="02040503050406030204" pitchFamily="18" charset="0"/>
                             </a:rPr>
                           </m:ctrlPr>
@@ -6776,7 +6798,7 @@
             </p:txBody>
           </p:sp>
         </mc:Choice>
-        <mc:Fallback>
+        <mc:Fallback xmlns="">
           <p:sp>
             <p:nvSpPr>
               <p:cNvPr id="116" name="文本框 115">
@@ -6821,8 +6843,8 @@
           </p:sp>
         </mc:Fallback>
       </mc:AlternateContent>
-      <mc:AlternateContent xmlns:mc="http://schemas.openxmlformats.org/markup-compatibility/2006">
-        <mc:Choice xmlns:a14="http://schemas.microsoft.com/office/drawing/2010/main" Requires="a14">
+      <mc:AlternateContent xmlns:mc="http://schemas.openxmlformats.org/markup-compatibility/2006" xmlns:a14="http://schemas.microsoft.com/office/drawing/2010/main">
+        <mc:Choice Requires="a14">
           <p:sp>
             <p:nvSpPr>
               <p:cNvPr id="117" name="文本框 116">
@@ -6851,6 +6873,7 @@
               </a:bodyPr>
               <a:lstStyle/>
               <a:p>
+                <a:pPr/>
                 <a14:m>
                   <m:oMathPara xmlns:m="http://schemas.openxmlformats.org/officeDocument/2006/math">
                     <m:oMathParaPr>
@@ -6860,7 +6883,7 @@
                       <m:sSub>
                         <m:sSubPr>
                           <m:ctrlPr>
-                            <a:rPr lang="zh-CN" altLang="en-US" dirty="0" smtClean="0">
+                            <a:rPr lang="zh-CN" altLang="en-US" i="1" dirty="0" smtClean="0">
                               <a:latin typeface="Cambria Math" panose="02040503050406030204" pitchFamily="18" charset="0"/>
                             </a:rPr>
                           </m:ctrlPr>
@@ -6893,7 +6916,7 @@
             </p:txBody>
           </p:sp>
         </mc:Choice>
-        <mc:Fallback>
+        <mc:Fallback xmlns="">
           <p:sp>
             <p:nvSpPr>
               <p:cNvPr id="117" name="文本框 116">
@@ -6951,6 +6974,2050 @@
 </p:sld>
 </file>
 
+<file path=ppt/slides/slide11.xml><?xml version="1.0" encoding="utf-8"?>
+<p:sld xmlns:a="http://schemas.openxmlformats.org/drawingml/2006/main" xmlns:r="http://schemas.openxmlformats.org/officeDocument/2006/relationships" xmlns:p="http://schemas.openxmlformats.org/presentationml/2006/main">
+  <p:cSld>
+    <p:spTree>
+      <p:nvGrpSpPr>
+        <p:cNvPr id="1" name=""/>
+        <p:cNvGrpSpPr/>
+        <p:nvPr/>
+      </p:nvGrpSpPr>
+      <p:grpSpPr>
+        <a:xfrm>
+          <a:off x="0" y="0"/>
+          <a:ext cx="0" cy="0"/>
+          <a:chOff x="0" y="0"/>
+          <a:chExt cx="0" cy="0"/>
+        </a:xfrm>
+      </p:grpSpPr>
+      <p:pic>
+        <p:nvPicPr>
+          <p:cNvPr id="4" name="图片 3">
+            <a:extLst>
+              <a:ext uri="{FF2B5EF4-FFF2-40B4-BE49-F238E27FC236}">
+                <a16:creationId xmlns:a16="http://schemas.microsoft.com/office/drawing/2014/main" id="{FC6CBAEF-47F8-4945-88A4-7954F0E154B8}"/>
+              </a:ext>
+            </a:extLst>
+          </p:cNvPr>
+          <p:cNvPicPr>
+            <a:picLocks noChangeAspect="1"/>
+          </p:cNvPicPr>
+          <p:nvPr/>
+        </p:nvPicPr>
+        <p:blipFill>
+          <a:blip r:embed="rId2"/>
+          <a:stretch>
+            <a:fillRect/>
+          </a:stretch>
+        </p:blipFill>
+        <p:spPr>
+          <a:xfrm>
+            <a:off x="1824031" y="1400768"/>
+            <a:ext cx="7620660" cy="3528366"/>
+          </a:xfrm>
+          <a:prstGeom prst="rect">
+            <a:avLst/>
+          </a:prstGeom>
+        </p:spPr>
+      </p:pic>
+    </p:spTree>
+    <p:extLst>
+      <p:ext uri="{BB962C8B-B14F-4D97-AF65-F5344CB8AC3E}">
+        <p14:creationId xmlns:p14="http://schemas.microsoft.com/office/powerpoint/2010/main" val="514569345"/>
+      </p:ext>
+    </p:extLst>
+  </p:cSld>
+  <p:clrMapOvr>
+    <a:masterClrMapping/>
+  </p:clrMapOvr>
+</p:sld>
+</file>
+
+<file path=ppt/slides/slide12.xml><?xml version="1.0" encoding="utf-8"?>
+<p:sld xmlns:a="http://schemas.openxmlformats.org/drawingml/2006/main" xmlns:r="http://schemas.openxmlformats.org/officeDocument/2006/relationships" xmlns:p="http://schemas.openxmlformats.org/presentationml/2006/main">
+  <p:cSld>
+    <p:spTree>
+      <p:nvGrpSpPr>
+        <p:cNvPr id="1" name=""/>
+        <p:cNvGrpSpPr/>
+        <p:nvPr/>
+      </p:nvGrpSpPr>
+      <p:grpSpPr>
+        <a:xfrm>
+          <a:off x="0" y="0"/>
+          <a:ext cx="0" cy="0"/>
+          <a:chOff x="0" y="0"/>
+          <a:chExt cx="0" cy="0"/>
+        </a:xfrm>
+      </p:grpSpPr>
+      <mc:AlternateContent xmlns:mc="http://schemas.openxmlformats.org/markup-compatibility/2006">
+        <mc:Choice xmlns:a14="http://schemas.microsoft.com/office/drawing/2010/main" Requires="a14">
+          <p:sp>
+            <p:nvSpPr>
+              <p:cNvPr id="4" name="文本框 3">
+                <a:extLst>
+                  <a:ext uri="{FF2B5EF4-FFF2-40B4-BE49-F238E27FC236}">
+                    <a16:creationId xmlns:a16="http://schemas.microsoft.com/office/drawing/2014/main" id="{0E517D87-9E55-4720-87D0-306C94C57632}"/>
+                  </a:ext>
+                </a:extLst>
+              </p:cNvPr>
+              <p:cNvSpPr txBox="1"/>
+              <p:nvPr/>
+            </p:nvSpPr>
+            <p:spPr>
+              <a:xfrm>
+                <a:off x="471607" y="2911740"/>
+                <a:ext cx="499866" cy="375552"/>
+              </a:xfrm>
+              <a:prstGeom prst="rect">
+                <a:avLst/>
+              </a:prstGeom>
+              <a:noFill/>
+            </p:spPr>
+            <p:txBody>
+              <a:bodyPr wrap="square" rtlCol="0">
+                <a:spAutoFit/>
+              </a:bodyPr>
+              <a:lstStyle/>
+              <a:p>
+                <a:pPr/>
+                <a14:m>
+                  <m:oMathPara xmlns:m="http://schemas.openxmlformats.org/officeDocument/2006/math">
+                    <m:oMathParaPr>
+                      <m:jc m:val="centerGroup"/>
+                    </m:oMathParaPr>
+                    <m:oMath xmlns:m="http://schemas.openxmlformats.org/officeDocument/2006/math">
+                      <m:sSup>
+                        <m:sSupPr>
+                          <m:ctrlPr>
+                            <a:rPr lang="zh-CN" altLang="en-US" i="0" dirty="0" smtClean="0">
+                              <a:latin typeface="Cambria Math" panose="02040503050406030204" pitchFamily="18" charset="0"/>
+                            </a:rPr>
+                          </m:ctrlPr>
+                        </m:sSupPr>
+                        <m:e>
+                          <m:r>
+                            <a:rPr lang="zh-CN" altLang="en-US" i="0" dirty="0" smtClean="0">
+                              <a:latin typeface="Cambria Math" panose="02040503050406030204" pitchFamily="18" charset="0"/>
+                            </a:rPr>
+                            <m:t>𝑥</m:t>
+                          </m:r>
+                        </m:e>
+                        <m:sup>
+                          <m:r>
+                            <a:rPr lang="zh-CN" altLang="en-US" i="0" dirty="0" smtClean="0">
+                              <a:latin typeface="Cambria Math" panose="02040503050406030204" pitchFamily="18" charset="0"/>
+                            </a:rPr>
+                            <m:t>1</m:t>
+                          </m:r>
+                        </m:sup>
+                      </m:sSup>
+                    </m:oMath>
+                  </m:oMathPara>
+                </a14:m>
+                <a:endParaRPr lang="zh-CN" altLang="en-US" dirty="0"/>
+              </a:p>
+            </p:txBody>
+          </p:sp>
+        </mc:Choice>
+        <mc:Fallback>
+          <p:sp>
+            <p:nvSpPr>
+              <p:cNvPr id="4" name="文本框 3">
+                <a:extLst>
+                  <a:ext uri="{FF2B5EF4-FFF2-40B4-BE49-F238E27FC236}">
+                    <a16:creationId xmlns:a16="http://schemas.microsoft.com/office/drawing/2014/main" id="{0E517D87-9E55-4720-87D0-306C94C57632}"/>
+                  </a:ext>
+                </a:extLst>
+              </p:cNvPr>
+              <p:cNvSpPr txBox="1">
+                <a:spLocks noRot="1" noChangeAspect="1" noMove="1" noResize="1" noEditPoints="1" noAdjustHandles="1" noChangeArrowheads="1" noChangeShapeType="1" noTextEdit="1"/>
+              </p:cNvSpPr>
+              <p:nvPr/>
+            </p:nvSpPr>
+            <p:spPr>
+              <a:xfrm>
+                <a:off x="471607" y="2911740"/>
+                <a:ext cx="499866" cy="375552"/>
+              </a:xfrm>
+              <a:prstGeom prst="rect">
+                <a:avLst/>
+              </a:prstGeom>
+              <a:blipFill>
+                <a:blip r:embed="rId2"/>
+                <a:stretch>
+                  <a:fillRect/>
+                </a:stretch>
+              </a:blipFill>
+            </p:spPr>
+            <p:txBody>
+              <a:bodyPr/>
+              <a:lstStyle/>
+              <a:p>
+                <a:r>
+                  <a:rPr lang="zh-CN" altLang="en-US">
+                    <a:noFill/>
+                  </a:rPr>
+                  <a:t> </a:t>
+                </a:r>
+              </a:p>
+            </p:txBody>
+          </p:sp>
+        </mc:Fallback>
+      </mc:AlternateContent>
+      <mc:AlternateContent xmlns:mc="http://schemas.openxmlformats.org/markup-compatibility/2006">
+        <mc:Choice xmlns:a14="http://schemas.microsoft.com/office/drawing/2010/main" Requires="a14">
+          <p:sp>
+            <p:nvSpPr>
+              <p:cNvPr id="7" name="文本框 6">
+                <a:extLst>
+                  <a:ext uri="{FF2B5EF4-FFF2-40B4-BE49-F238E27FC236}">
+                    <a16:creationId xmlns:a16="http://schemas.microsoft.com/office/drawing/2014/main" id="{6499187D-0B1A-4246-9606-DD5576019B2E}"/>
+                  </a:ext>
+                </a:extLst>
+              </p:cNvPr>
+              <p:cNvSpPr txBox="1"/>
+              <p:nvPr/>
+            </p:nvSpPr>
+            <p:spPr>
+              <a:xfrm>
+                <a:off x="471607" y="4014051"/>
+                <a:ext cx="499866" cy="369332"/>
+              </a:xfrm>
+              <a:prstGeom prst="rect">
+                <a:avLst/>
+              </a:prstGeom>
+              <a:noFill/>
+            </p:spPr>
+            <p:txBody>
+              <a:bodyPr wrap="square" rtlCol="0">
+                <a:spAutoFit/>
+              </a:bodyPr>
+              <a:lstStyle/>
+              <a:p>
+                <a:pPr/>
+                <a14:m>
+                  <m:oMathPara xmlns:m="http://schemas.openxmlformats.org/officeDocument/2006/math">
+                    <m:oMathParaPr>
+                      <m:jc m:val="centerGroup"/>
+                    </m:oMathParaPr>
+                    <m:oMath xmlns:m="http://schemas.openxmlformats.org/officeDocument/2006/math">
+                      <m:sSup>
+                        <m:sSupPr>
+                          <m:ctrlPr>
+                            <a:rPr lang="zh-CN" altLang="en-US" i="0" dirty="0" smtClean="0">
+                              <a:latin typeface="Cambria Math" panose="02040503050406030204" pitchFamily="18" charset="0"/>
+                            </a:rPr>
+                          </m:ctrlPr>
+                        </m:sSupPr>
+                        <m:e>
+                          <m:r>
+                            <a:rPr lang="zh-CN" altLang="en-US" i="0" dirty="0" smtClean="0">
+                              <a:latin typeface="Cambria Math" panose="02040503050406030204" pitchFamily="18" charset="0"/>
+                            </a:rPr>
+                            <m:t>𝑥</m:t>
+                          </m:r>
+                        </m:e>
+                        <m:sup>
+                          <m:r>
+                            <m:rPr>
+                              <m:sty m:val="p"/>
+                            </m:rPr>
+                            <a:rPr lang="en-US" altLang="zh-CN" b="0" i="0" dirty="0" smtClean="0">
+                              <a:latin typeface="Cambria Math" panose="02040503050406030204" pitchFamily="18" charset="0"/>
+                            </a:rPr>
+                            <m:t>m</m:t>
+                          </m:r>
+                        </m:sup>
+                      </m:sSup>
+                    </m:oMath>
+                  </m:oMathPara>
+                </a14:m>
+                <a:endParaRPr lang="zh-CN" altLang="en-US" dirty="0"/>
+              </a:p>
+            </p:txBody>
+          </p:sp>
+        </mc:Choice>
+        <mc:Fallback>
+          <p:sp>
+            <p:nvSpPr>
+              <p:cNvPr id="7" name="文本框 6">
+                <a:extLst>
+                  <a:ext uri="{FF2B5EF4-FFF2-40B4-BE49-F238E27FC236}">
+                    <a16:creationId xmlns:a16="http://schemas.microsoft.com/office/drawing/2014/main" id="{6499187D-0B1A-4246-9606-DD5576019B2E}"/>
+                  </a:ext>
+                </a:extLst>
+              </p:cNvPr>
+              <p:cNvSpPr txBox="1">
+                <a:spLocks noRot="1" noChangeAspect="1" noMove="1" noResize="1" noEditPoints="1" noAdjustHandles="1" noChangeArrowheads="1" noChangeShapeType="1" noTextEdit="1"/>
+              </p:cNvSpPr>
+              <p:nvPr/>
+            </p:nvSpPr>
+            <p:spPr>
+              <a:xfrm>
+                <a:off x="471607" y="4014051"/>
+                <a:ext cx="499866" cy="369332"/>
+              </a:xfrm>
+              <a:prstGeom prst="rect">
+                <a:avLst/>
+              </a:prstGeom>
+              <a:blipFill>
+                <a:blip r:embed="rId3"/>
+                <a:stretch>
+                  <a:fillRect/>
+                </a:stretch>
+              </a:blipFill>
+            </p:spPr>
+            <p:txBody>
+              <a:bodyPr/>
+              <a:lstStyle/>
+              <a:p>
+                <a:r>
+                  <a:rPr lang="zh-CN" altLang="en-US">
+                    <a:noFill/>
+                  </a:rPr>
+                  <a:t> </a:t>
+                </a:r>
+              </a:p>
+            </p:txBody>
+          </p:sp>
+        </mc:Fallback>
+      </mc:AlternateContent>
+      <p:sp>
+        <p:nvSpPr>
+          <p:cNvPr id="8" name="任意多边形: 形状 7">
+            <a:extLst>
+              <a:ext uri="{FF2B5EF4-FFF2-40B4-BE49-F238E27FC236}">
+                <a16:creationId xmlns:a16="http://schemas.microsoft.com/office/drawing/2014/main" id="{336D3666-736A-4526-B1E0-80A2F5F7E0B7}"/>
+              </a:ext>
+            </a:extLst>
+          </p:cNvPr>
+          <p:cNvSpPr/>
+          <p:nvPr/>
+        </p:nvSpPr>
+        <p:spPr>
+          <a:xfrm>
+            <a:off x="1397307" y="2653793"/>
+            <a:ext cx="2272683" cy="633499"/>
+          </a:xfrm>
+          <a:custGeom>
+            <a:avLst/>
+            <a:gdLst>
+              <a:gd name="connsiteX0" fmla="*/ 0 w 2272683"/>
+              <a:gd name="connsiteY0" fmla="*/ 516157 h 633499"/>
+              <a:gd name="connsiteX1" fmla="*/ 399495 w 2272683"/>
+              <a:gd name="connsiteY1" fmla="*/ 214316 h 633499"/>
+              <a:gd name="connsiteX2" fmla="*/ 612559 w 2272683"/>
+              <a:gd name="connsiteY2" fmla="*/ 462891 h 633499"/>
+              <a:gd name="connsiteX3" fmla="*/ 798990 w 2272683"/>
+              <a:gd name="connsiteY3" fmla="*/ 1252 h 633499"/>
+              <a:gd name="connsiteX4" fmla="*/ 932155 w 2272683"/>
+              <a:gd name="connsiteY4" fmla="*/ 631566 h 633499"/>
+              <a:gd name="connsiteX5" fmla="*/ 1429305 w 2272683"/>
+              <a:gd name="connsiteY5" fmla="*/ 205438 h 633499"/>
+              <a:gd name="connsiteX6" fmla="*/ 1704512 w 2272683"/>
+              <a:gd name="connsiteY6" fmla="*/ 427380 h 633499"/>
+              <a:gd name="connsiteX7" fmla="*/ 2095130 w 2272683"/>
+              <a:gd name="connsiteY7" fmla="*/ 418502 h 633499"/>
+              <a:gd name="connsiteX8" fmla="*/ 2095130 w 2272683"/>
+              <a:gd name="connsiteY8" fmla="*/ 418502 h 633499"/>
+              <a:gd name="connsiteX9" fmla="*/ 2148396 w 2272683"/>
+              <a:gd name="connsiteY9" fmla="*/ 418502 h 633499"/>
+              <a:gd name="connsiteX10" fmla="*/ 2272683 w 2272683"/>
+              <a:gd name="connsiteY10" fmla="*/ 391869 h 633499"/>
+            </a:gdLst>
+            <a:ahLst/>
+            <a:cxnLst>
+              <a:cxn ang="0">
+                <a:pos x="connsiteX0" y="connsiteY0"/>
+              </a:cxn>
+              <a:cxn ang="0">
+                <a:pos x="connsiteX1" y="connsiteY1"/>
+              </a:cxn>
+              <a:cxn ang="0">
+                <a:pos x="connsiteX2" y="connsiteY2"/>
+              </a:cxn>
+              <a:cxn ang="0">
+                <a:pos x="connsiteX3" y="connsiteY3"/>
+              </a:cxn>
+              <a:cxn ang="0">
+                <a:pos x="connsiteX4" y="connsiteY4"/>
+              </a:cxn>
+              <a:cxn ang="0">
+                <a:pos x="connsiteX5" y="connsiteY5"/>
+              </a:cxn>
+              <a:cxn ang="0">
+                <a:pos x="connsiteX6" y="connsiteY6"/>
+              </a:cxn>
+              <a:cxn ang="0">
+                <a:pos x="connsiteX7" y="connsiteY7"/>
+              </a:cxn>
+              <a:cxn ang="0">
+                <a:pos x="connsiteX8" y="connsiteY8"/>
+              </a:cxn>
+              <a:cxn ang="0">
+                <a:pos x="connsiteX9" y="connsiteY9"/>
+              </a:cxn>
+              <a:cxn ang="0">
+                <a:pos x="connsiteX10" y="connsiteY10"/>
+              </a:cxn>
+            </a:cxnLst>
+            <a:rect l="l" t="t" r="r" b="b"/>
+            <a:pathLst>
+              <a:path w="2272683" h="633499">
+                <a:moveTo>
+                  <a:pt x="0" y="516157"/>
+                </a:moveTo>
+                <a:cubicBezTo>
+                  <a:pt x="148701" y="369675"/>
+                  <a:pt x="297402" y="223194"/>
+                  <a:pt x="399495" y="214316"/>
+                </a:cubicBezTo>
+                <a:cubicBezTo>
+                  <a:pt x="501588" y="205438"/>
+                  <a:pt x="545977" y="498402"/>
+                  <a:pt x="612559" y="462891"/>
+                </a:cubicBezTo>
+                <a:cubicBezTo>
+                  <a:pt x="679141" y="427380"/>
+                  <a:pt x="745724" y="-26860"/>
+                  <a:pt x="798990" y="1252"/>
+                </a:cubicBezTo>
+                <a:cubicBezTo>
+                  <a:pt x="852256" y="29364"/>
+                  <a:pt x="827103" y="597535"/>
+                  <a:pt x="932155" y="631566"/>
+                </a:cubicBezTo>
+                <a:cubicBezTo>
+                  <a:pt x="1037207" y="665597"/>
+                  <a:pt x="1300579" y="239469"/>
+                  <a:pt x="1429305" y="205438"/>
+                </a:cubicBezTo>
+                <a:cubicBezTo>
+                  <a:pt x="1558031" y="171407"/>
+                  <a:pt x="1593541" y="391869"/>
+                  <a:pt x="1704512" y="427380"/>
+                </a:cubicBezTo>
+                <a:cubicBezTo>
+                  <a:pt x="1815483" y="462891"/>
+                  <a:pt x="2095130" y="418502"/>
+                  <a:pt x="2095130" y="418502"/>
+                </a:cubicBezTo>
+                <a:lnTo>
+                  <a:pt x="2095130" y="418502"/>
+                </a:lnTo>
+                <a:cubicBezTo>
+                  <a:pt x="2104008" y="418502"/>
+                  <a:pt x="2118804" y="422941"/>
+                  <a:pt x="2148396" y="418502"/>
+                </a:cubicBezTo>
+                <a:cubicBezTo>
+                  <a:pt x="2177988" y="414063"/>
+                  <a:pt x="2225335" y="402966"/>
+                  <a:pt x="2272683" y="391869"/>
+                </a:cubicBezTo>
+              </a:path>
+            </a:pathLst>
+          </a:custGeom>
+          <a:noFill/>
+        </p:spPr>
+        <p:style>
+          <a:lnRef idx="2">
+            <a:schemeClr val="accent1">
+              <a:shade val="50000"/>
+            </a:schemeClr>
+          </a:lnRef>
+          <a:fillRef idx="1">
+            <a:schemeClr val="accent1"/>
+          </a:fillRef>
+          <a:effectRef idx="0">
+            <a:schemeClr val="accent1"/>
+          </a:effectRef>
+          <a:fontRef idx="minor">
+            <a:schemeClr val="lt1"/>
+          </a:fontRef>
+        </p:style>
+        <p:txBody>
+          <a:bodyPr rtlCol="0" anchor="ctr"/>
+          <a:lstStyle/>
+          <a:p>
+            <a:pPr algn="ctr"/>
+            <a:endParaRPr lang="zh-CN" altLang="en-US"/>
+          </a:p>
+        </p:txBody>
+      </p:sp>
+      <p:sp>
+        <p:nvSpPr>
+          <p:cNvPr id="9" name="任意多边形: 形状 8">
+            <a:extLst>
+              <a:ext uri="{FF2B5EF4-FFF2-40B4-BE49-F238E27FC236}">
+                <a16:creationId xmlns:a16="http://schemas.microsoft.com/office/drawing/2014/main" id="{32F0BD30-0675-48B7-8D44-34028968D2B4}"/>
+              </a:ext>
+            </a:extLst>
+          </p:cNvPr>
+          <p:cNvSpPr/>
+          <p:nvPr/>
+        </p:nvSpPr>
+        <p:spPr>
+          <a:xfrm>
+            <a:off x="1397306" y="4014051"/>
+            <a:ext cx="2272683" cy="633499"/>
+          </a:xfrm>
+          <a:custGeom>
+            <a:avLst/>
+            <a:gdLst>
+              <a:gd name="connsiteX0" fmla="*/ 0 w 2272683"/>
+              <a:gd name="connsiteY0" fmla="*/ 516157 h 633499"/>
+              <a:gd name="connsiteX1" fmla="*/ 399495 w 2272683"/>
+              <a:gd name="connsiteY1" fmla="*/ 214316 h 633499"/>
+              <a:gd name="connsiteX2" fmla="*/ 612559 w 2272683"/>
+              <a:gd name="connsiteY2" fmla="*/ 462891 h 633499"/>
+              <a:gd name="connsiteX3" fmla="*/ 798990 w 2272683"/>
+              <a:gd name="connsiteY3" fmla="*/ 1252 h 633499"/>
+              <a:gd name="connsiteX4" fmla="*/ 932155 w 2272683"/>
+              <a:gd name="connsiteY4" fmla="*/ 631566 h 633499"/>
+              <a:gd name="connsiteX5" fmla="*/ 1429305 w 2272683"/>
+              <a:gd name="connsiteY5" fmla="*/ 205438 h 633499"/>
+              <a:gd name="connsiteX6" fmla="*/ 1704512 w 2272683"/>
+              <a:gd name="connsiteY6" fmla="*/ 427380 h 633499"/>
+              <a:gd name="connsiteX7" fmla="*/ 2095130 w 2272683"/>
+              <a:gd name="connsiteY7" fmla="*/ 418502 h 633499"/>
+              <a:gd name="connsiteX8" fmla="*/ 2095130 w 2272683"/>
+              <a:gd name="connsiteY8" fmla="*/ 418502 h 633499"/>
+              <a:gd name="connsiteX9" fmla="*/ 2148396 w 2272683"/>
+              <a:gd name="connsiteY9" fmla="*/ 418502 h 633499"/>
+              <a:gd name="connsiteX10" fmla="*/ 2272683 w 2272683"/>
+              <a:gd name="connsiteY10" fmla="*/ 391869 h 633499"/>
+            </a:gdLst>
+            <a:ahLst/>
+            <a:cxnLst>
+              <a:cxn ang="0">
+                <a:pos x="connsiteX0" y="connsiteY0"/>
+              </a:cxn>
+              <a:cxn ang="0">
+                <a:pos x="connsiteX1" y="connsiteY1"/>
+              </a:cxn>
+              <a:cxn ang="0">
+                <a:pos x="connsiteX2" y="connsiteY2"/>
+              </a:cxn>
+              <a:cxn ang="0">
+                <a:pos x="connsiteX3" y="connsiteY3"/>
+              </a:cxn>
+              <a:cxn ang="0">
+                <a:pos x="connsiteX4" y="connsiteY4"/>
+              </a:cxn>
+              <a:cxn ang="0">
+                <a:pos x="connsiteX5" y="connsiteY5"/>
+              </a:cxn>
+              <a:cxn ang="0">
+                <a:pos x="connsiteX6" y="connsiteY6"/>
+              </a:cxn>
+              <a:cxn ang="0">
+                <a:pos x="connsiteX7" y="connsiteY7"/>
+              </a:cxn>
+              <a:cxn ang="0">
+                <a:pos x="connsiteX8" y="connsiteY8"/>
+              </a:cxn>
+              <a:cxn ang="0">
+                <a:pos x="connsiteX9" y="connsiteY9"/>
+              </a:cxn>
+              <a:cxn ang="0">
+                <a:pos x="connsiteX10" y="connsiteY10"/>
+              </a:cxn>
+            </a:cxnLst>
+            <a:rect l="l" t="t" r="r" b="b"/>
+            <a:pathLst>
+              <a:path w="2272683" h="633499">
+                <a:moveTo>
+                  <a:pt x="0" y="516157"/>
+                </a:moveTo>
+                <a:cubicBezTo>
+                  <a:pt x="148701" y="369675"/>
+                  <a:pt x="297402" y="223194"/>
+                  <a:pt x="399495" y="214316"/>
+                </a:cubicBezTo>
+                <a:cubicBezTo>
+                  <a:pt x="501588" y="205438"/>
+                  <a:pt x="545977" y="498402"/>
+                  <a:pt x="612559" y="462891"/>
+                </a:cubicBezTo>
+                <a:cubicBezTo>
+                  <a:pt x="679141" y="427380"/>
+                  <a:pt x="745724" y="-26860"/>
+                  <a:pt x="798990" y="1252"/>
+                </a:cubicBezTo>
+                <a:cubicBezTo>
+                  <a:pt x="852256" y="29364"/>
+                  <a:pt x="827103" y="597535"/>
+                  <a:pt x="932155" y="631566"/>
+                </a:cubicBezTo>
+                <a:cubicBezTo>
+                  <a:pt x="1037207" y="665597"/>
+                  <a:pt x="1300579" y="239469"/>
+                  <a:pt x="1429305" y="205438"/>
+                </a:cubicBezTo>
+                <a:cubicBezTo>
+                  <a:pt x="1558031" y="171407"/>
+                  <a:pt x="1593541" y="391869"/>
+                  <a:pt x="1704512" y="427380"/>
+                </a:cubicBezTo>
+                <a:cubicBezTo>
+                  <a:pt x="1815483" y="462891"/>
+                  <a:pt x="2095130" y="418502"/>
+                  <a:pt x="2095130" y="418502"/>
+                </a:cubicBezTo>
+                <a:lnTo>
+                  <a:pt x="2095130" y="418502"/>
+                </a:lnTo>
+                <a:cubicBezTo>
+                  <a:pt x="2104008" y="418502"/>
+                  <a:pt x="2118804" y="422941"/>
+                  <a:pt x="2148396" y="418502"/>
+                </a:cubicBezTo>
+                <a:cubicBezTo>
+                  <a:pt x="2177988" y="414063"/>
+                  <a:pt x="2225335" y="402966"/>
+                  <a:pt x="2272683" y="391869"/>
+                </a:cubicBezTo>
+              </a:path>
+            </a:pathLst>
+          </a:custGeom>
+          <a:noFill/>
+        </p:spPr>
+        <p:style>
+          <a:lnRef idx="2">
+            <a:schemeClr val="accent1">
+              <a:shade val="50000"/>
+            </a:schemeClr>
+          </a:lnRef>
+          <a:fillRef idx="1">
+            <a:schemeClr val="accent1"/>
+          </a:fillRef>
+          <a:effectRef idx="0">
+            <a:schemeClr val="accent1"/>
+          </a:effectRef>
+          <a:fontRef idx="minor">
+            <a:schemeClr val="lt1"/>
+          </a:fontRef>
+        </p:style>
+        <p:txBody>
+          <a:bodyPr rtlCol="0" anchor="ctr"/>
+          <a:lstStyle/>
+          <a:p>
+            <a:pPr algn="ctr"/>
+            <a:endParaRPr lang="zh-CN" altLang="en-US"/>
+          </a:p>
+        </p:txBody>
+      </p:sp>
+      <p:sp>
+        <p:nvSpPr>
+          <p:cNvPr id="10" name="文本框 9">
+            <a:extLst>
+              <a:ext uri="{FF2B5EF4-FFF2-40B4-BE49-F238E27FC236}">
+                <a16:creationId xmlns:a16="http://schemas.microsoft.com/office/drawing/2014/main" id="{F17E4A44-9C36-47A9-8922-697974F58258}"/>
+              </a:ext>
+            </a:extLst>
+          </p:cNvPr>
+          <p:cNvSpPr txBox="1"/>
+          <p:nvPr/>
+        </p:nvSpPr>
+        <p:spPr>
+          <a:xfrm>
+            <a:off x="542628" y="3449998"/>
+            <a:ext cx="499866" cy="646331"/>
+          </a:xfrm>
+          <a:prstGeom prst="rect">
+            <a:avLst/>
+          </a:prstGeom>
+          <a:noFill/>
+        </p:spPr>
+        <p:txBody>
+          <a:bodyPr wrap="square" rtlCol="0">
+            <a:spAutoFit/>
+          </a:bodyPr>
+          <a:lstStyle/>
+          <a:p>
+            <a:pPr/>
+            <a:r>
+              <a:rPr lang="en-US" altLang="zh-CN" dirty="0"/>
+              <a:t>……</a:t>
+            </a:r>
+            <a:endParaRPr lang="zh-CN" altLang="en-US" dirty="0"/>
+          </a:p>
+        </p:txBody>
+      </p:sp>
+      <p:sp>
+        <p:nvSpPr>
+          <p:cNvPr id="11" name="文本框 10">
+            <a:extLst>
+              <a:ext uri="{FF2B5EF4-FFF2-40B4-BE49-F238E27FC236}">
+                <a16:creationId xmlns:a16="http://schemas.microsoft.com/office/drawing/2014/main" id="{67366240-765F-4327-B49E-3D474B8F21B4}"/>
+              </a:ext>
+            </a:extLst>
+          </p:cNvPr>
+          <p:cNvSpPr txBox="1"/>
+          <p:nvPr/>
+        </p:nvSpPr>
+        <p:spPr>
+          <a:xfrm>
+            <a:off x="1042494" y="5340103"/>
+            <a:ext cx="2547597" cy="369332"/>
+          </a:xfrm>
+          <a:prstGeom prst="rect">
+            <a:avLst/>
+          </a:prstGeom>
+          <a:noFill/>
+        </p:spPr>
+        <p:txBody>
+          <a:bodyPr wrap="square" rtlCol="0">
+            <a:spAutoFit/>
+          </a:bodyPr>
+          <a:lstStyle/>
+          <a:p>
+            <a:r>
+              <a:rPr lang="en-US" altLang="zh-CN" dirty="0"/>
+              <a:t>High Dimensional Data</a:t>
+            </a:r>
+            <a:endParaRPr lang="zh-CN" altLang="en-US" dirty="0"/>
+          </a:p>
+        </p:txBody>
+      </p:sp>
+      <p:pic>
+        <p:nvPicPr>
+          <p:cNvPr id="12" name="图片 11">
+            <a:extLst>
+              <a:ext uri="{FF2B5EF4-FFF2-40B4-BE49-F238E27FC236}">
+                <a16:creationId xmlns:a16="http://schemas.microsoft.com/office/drawing/2014/main" id="{E1D453CE-349C-4E3F-B12D-768A885A0F61}"/>
+              </a:ext>
+            </a:extLst>
+          </p:cNvPr>
+          <p:cNvPicPr>
+            <a:picLocks noChangeAspect="1"/>
+          </p:cNvPicPr>
+          <p:nvPr/>
+        </p:nvPicPr>
+        <p:blipFill>
+          <a:blip r:embed="rId4"/>
+          <a:stretch>
+            <a:fillRect/>
+          </a:stretch>
+        </p:blipFill>
+        <p:spPr>
+          <a:xfrm>
+            <a:off x="4697004" y="2372320"/>
+            <a:ext cx="2773920" cy="2743438"/>
+          </a:xfrm>
+          <a:prstGeom prst="rect">
+            <a:avLst/>
+          </a:prstGeom>
+        </p:spPr>
+      </p:pic>
+      <p:sp>
+        <p:nvSpPr>
+          <p:cNvPr id="13" name="箭头: 右 12">
+            <a:extLst>
+              <a:ext uri="{FF2B5EF4-FFF2-40B4-BE49-F238E27FC236}">
+                <a16:creationId xmlns:a16="http://schemas.microsoft.com/office/drawing/2014/main" id="{6BB4AF68-4318-4D7B-A8F9-4E70B34FE1F2}"/>
+              </a:ext>
+            </a:extLst>
+          </p:cNvPr>
+          <p:cNvSpPr/>
+          <p:nvPr/>
+        </p:nvSpPr>
+        <p:spPr>
+          <a:xfrm>
+            <a:off x="4015924" y="3579885"/>
+            <a:ext cx="603682" cy="363146"/>
+          </a:xfrm>
+          <a:prstGeom prst="rightArrow">
+            <a:avLst/>
+          </a:prstGeom>
+        </p:spPr>
+        <p:style>
+          <a:lnRef idx="2">
+            <a:schemeClr val="accent1">
+              <a:shade val="50000"/>
+            </a:schemeClr>
+          </a:lnRef>
+          <a:fillRef idx="1">
+            <a:schemeClr val="accent1"/>
+          </a:fillRef>
+          <a:effectRef idx="0">
+            <a:schemeClr val="accent1"/>
+          </a:effectRef>
+          <a:fontRef idx="minor">
+            <a:schemeClr val="lt1"/>
+          </a:fontRef>
+        </p:style>
+        <p:txBody>
+          <a:bodyPr rtlCol="0" anchor="ctr"/>
+          <a:lstStyle/>
+          <a:p>
+            <a:pPr algn="ctr"/>
+            <a:endParaRPr lang="zh-CN" altLang="en-US"/>
+          </a:p>
+        </p:txBody>
+      </p:sp>
+      <p:sp>
+        <p:nvSpPr>
+          <p:cNvPr id="14" name="箭头: 右 13">
+            <a:extLst>
+              <a:ext uri="{FF2B5EF4-FFF2-40B4-BE49-F238E27FC236}">
+                <a16:creationId xmlns:a16="http://schemas.microsoft.com/office/drawing/2014/main" id="{47B863F9-3A87-4FDB-A5D1-2F0C305D49C7}"/>
+              </a:ext>
+            </a:extLst>
+          </p:cNvPr>
+          <p:cNvSpPr/>
+          <p:nvPr/>
+        </p:nvSpPr>
+        <p:spPr>
+          <a:xfrm>
+            <a:off x="7892049" y="3581230"/>
+            <a:ext cx="603682" cy="363146"/>
+          </a:xfrm>
+          <a:prstGeom prst="rightArrow">
+            <a:avLst/>
+          </a:prstGeom>
+        </p:spPr>
+        <p:style>
+          <a:lnRef idx="2">
+            <a:schemeClr val="accent1">
+              <a:shade val="50000"/>
+            </a:schemeClr>
+          </a:lnRef>
+          <a:fillRef idx="1">
+            <a:schemeClr val="accent1"/>
+          </a:fillRef>
+          <a:effectRef idx="0">
+            <a:schemeClr val="accent1"/>
+          </a:effectRef>
+          <a:fontRef idx="minor">
+            <a:schemeClr val="lt1"/>
+          </a:fontRef>
+        </p:style>
+        <p:txBody>
+          <a:bodyPr rtlCol="0" anchor="ctr"/>
+          <a:lstStyle/>
+          <a:p>
+            <a:pPr algn="ctr"/>
+            <a:endParaRPr lang="zh-CN" altLang="en-US"/>
+          </a:p>
+        </p:txBody>
+      </p:sp>
+      <p:sp>
+        <p:nvSpPr>
+          <p:cNvPr id="15" name="文本框 14">
+            <a:extLst>
+              <a:ext uri="{FF2B5EF4-FFF2-40B4-BE49-F238E27FC236}">
+                <a16:creationId xmlns:a16="http://schemas.microsoft.com/office/drawing/2014/main" id="{F981803B-E184-444C-81ED-6EF31FC238D2}"/>
+              </a:ext>
+            </a:extLst>
+          </p:cNvPr>
+          <p:cNvSpPr txBox="1"/>
+          <p:nvPr/>
+        </p:nvSpPr>
+        <p:spPr>
+          <a:xfrm>
+            <a:off x="4923327" y="5450890"/>
+            <a:ext cx="2547597" cy="369332"/>
+          </a:xfrm>
+          <a:prstGeom prst="rect">
+            <a:avLst/>
+          </a:prstGeom>
+          <a:noFill/>
+        </p:spPr>
+        <p:txBody>
+          <a:bodyPr wrap="square" rtlCol="0">
+            <a:spAutoFit/>
+          </a:bodyPr>
+          <a:lstStyle/>
+          <a:p>
+            <a:r>
+              <a:rPr lang="en-US" altLang="zh-CN" dirty="0"/>
+              <a:t>Correlation analysis</a:t>
+            </a:r>
+            <a:endParaRPr lang="zh-CN" altLang="en-US" dirty="0"/>
+          </a:p>
+        </p:txBody>
+      </p:sp>
+      <p:sp>
+        <p:nvSpPr>
+          <p:cNvPr id="16" name="文本框 15">
+            <a:extLst>
+              <a:ext uri="{FF2B5EF4-FFF2-40B4-BE49-F238E27FC236}">
+                <a16:creationId xmlns:a16="http://schemas.microsoft.com/office/drawing/2014/main" id="{79C78692-55DB-4715-BCE0-D7CE8332A836}"/>
+              </a:ext>
+            </a:extLst>
+          </p:cNvPr>
+          <p:cNvSpPr txBox="1"/>
+          <p:nvPr/>
+        </p:nvSpPr>
+        <p:spPr>
+          <a:xfrm>
+            <a:off x="9445789" y="5450890"/>
+            <a:ext cx="2547597" cy="369332"/>
+          </a:xfrm>
+          <a:prstGeom prst="rect">
+            <a:avLst/>
+          </a:prstGeom>
+          <a:noFill/>
+        </p:spPr>
+        <p:txBody>
+          <a:bodyPr wrap="square" rtlCol="0">
+            <a:spAutoFit/>
+          </a:bodyPr>
+          <a:lstStyle/>
+          <a:p>
+            <a:r>
+              <a:rPr lang="en-US" altLang="zh-CN" dirty="0"/>
+              <a:t>Clustering</a:t>
+            </a:r>
+            <a:endParaRPr lang="zh-CN" altLang="en-US" dirty="0"/>
+          </a:p>
+        </p:txBody>
+      </p:sp>
+      <p:cxnSp>
+        <p:nvCxnSpPr>
+          <p:cNvPr id="18" name="直接箭头连接符 17">
+            <a:extLst>
+              <a:ext uri="{FF2B5EF4-FFF2-40B4-BE49-F238E27FC236}">
+                <a16:creationId xmlns:a16="http://schemas.microsoft.com/office/drawing/2014/main" id="{01AF16A0-B2C9-4FA4-9E6D-4ABAF9243F69}"/>
+              </a:ext>
+            </a:extLst>
+          </p:cNvPr>
+          <p:cNvCxnSpPr>
+            <a:cxnSpLocks/>
+          </p:cNvCxnSpPr>
+          <p:nvPr/>
+        </p:nvCxnSpPr>
+        <p:spPr>
+          <a:xfrm flipV="1">
+            <a:off x="8895374" y="2791933"/>
+            <a:ext cx="0" cy="1955308"/>
+          </a:xfrm>
+          <a:prstGeom prst="straightConnector1">
+            <a:avLst/>
+          </a:prstGeom>
+          <a:ln>
+            <a:tailEnd type="triangle"/>
+          </a:ln>
+        </p:spPr>
+        <p:style>
+          <a:lnRef idx="1">
+            <a:schemeClr val="accent1"/>
+          </a:lnRef>
+          <a:fillRef idx="0">
+            <a:schemeClr val="accent1"/>
+          </a:fillRef>
+          <a:effectRef idx="0">
+            <a:schemeClr val="accent1"/>
+          </a:effectRef>
+          <a:fontRef idx="minor">
+            <a:schemeClr val="tx1"/>
+          </a:fontRef>
+        </p:style>
+      </p:cxnSp>
+      <p:cxnSp>
+        <p:nvCxnSpPr>
+          <p:cNvPr id="20" name="直接箭头连接符 19">
+            <a:extLst>
+              <a:ext uri="{FF2B5EF4-FFF2-40B4-BE49-F238E27FC236}">
+                <a16:creationId xmlns:a16="http://schemas.microsoft.com/office/drawing/2014/main" id="{192BC177-CA49-4387-8BA4-3838D9490D3B}"/>
+              </a:ext>
+            </a:extLst>
+          </p:cNvPr>
+          <p:cNvCxnSpPr>
+            <a:cxnSpLocks/>
+          </p:cNvCxnSpPr>
+          <p:nvPr/>
+        </p:nvCxnSpPr>
+        <p:spPr>
+          <a:xfrm>
+            <a:off x="8895374" y="4758337"/>
+            <a:ext cx="2624684" cy="0"/>
+          </a:xfrm>
+          <a:prstGeom prst="straightConnector1">
+            <a:avLst/>
+          </a:prstGeom>
+          <a:ln>
+            <a:tailEnd type="triangle"/>
+          </a:ln>
+        </p:spPr>
+        <p:style>
+          <a:lnRef idx="1">
+            <a:schemeClr val="accent1"/>
+          </a:lnRef>
+          <a:fillRef idx="0">
+            <a:schemeClr val="accent1"/>
+          </a:fillRef>
+          <a:effectRef idx="0">
+            <a:schemeClr val="accent1"/>
+          </a:effectRef>
+          <a:fontRef idx="minor">
+            <a:schemeClr val="tx1"/>
+          </a:fontRef>
+        </p:style>
+      </p:cxnSp>
+      <p:sp>
+        <p:nvSpPr>
+          <p:cNvPr id="24" name="椭圆 23">
+            <a:extLst>
+              <a:ext uri="{FF2B5EF4-FFF2-40B4-BE49-F238E27FC236}">
+                <a16:creationId xmlns:a16="http://schemas.microsoft.com/office/drawing/2014/main" id="{B1E9869D-7FAC-4FF8-9190-3D6CC7ED4732}"/>
+              </a:ext>
+            </a:extLst>
+          </p:cNvPr>
+          <p:cNvSpPr/>
+          <p:nvPr/>
+        </p:nvSpPr>
+        <p:spPr>
+          <a:xfrm>
+            <a:off x="9339309" y="3142695"/>
+            <a:ext cx="45719" cy="45719"/>
+          </a:xfrm>
+          <a:prstGeom prst="ellipse">
+            <a:avLst/>
+          </a:prstGeom>
+          <a:solidFill>
+            <a:srgbClr val="7030A0"/>
+          </a:solidFill>
+        </p:spPr>
+        <p:style>
+          <a:lnRef idx="2">
+            <a:schemeClr val="accent2">
+              <a:shade val="50000"/>
+            </a:schemeClr>
+          </a:lnRef>
+          <a:fillRef idx="1">
+            <a:schemeClr val="accent2"/>
+          </a:fillRef>
+          <a:effectRef idx="0">
+            <a:schemeClr val="accent2"/>
+          </a:effectRef>
+          <a:fontRef idx="minor">
+            <a:schemeClr val="lt1"/>
+          </a:fontRef>
+        </p:style>
+        <p:txBody>
+          <a:bodyPr rtlCol="0" anchor="ctr"/>
+          <a:lstStyle/>
+          <a:p>
+            <a:pPr algn="ctr"/>
+            <a:endParaRPr lang="zh-CN" altLang="en-US"/>
+          </a:p>
+        </p:txBody>
+      </p:sp>
+      <p:sp>
+        <p:nvSpPr>
+          <p:cNvPr id="25" name="椭圆 24">
+            <a:extLst>
+              <a:ext uri="{FF2B5EF4-FFF2-40B4-BE49-F238E27FC236}">
+                <a16:creationId xmlns:a16="http://schemas.microsoft.com/office/drawing/2014/main" id="{AA4831AB-37E1-47DE-938C-08FDBDC398FD}"/>
+              </a:ext>
+            </a:extLst>
+          </p:cNvPr>
+          <p:cNvSpPr/>
+          <p:nvPr/>
+        </p:nvSpPr>
+        <p:spPr>
+          <a:xfrm>
+            <a:off x="9422365" y="3287292"/>
+            <a:ext cx="45719" cy="45719"/>
+          </a:xfrm>
+          <a:prstGeom prst="ellipse">
+            <a:avLst/>
+          </a:prstGeom>
+          <a:solidFill>
+            <a:srgbClr val="7030A0"/>
+          </a:solidFill>
+        </p:spPr>
+        <p:style>
+          <a:lnRef idx="2">
+            <a:schemeClr val="accent2">
+              <a:shade val="50000"/>
+            </a:schemeClr>
+          </a:lnRef>
+          <a:fillRef idx="1">
+            <a:schemeClr val="accent2"/>
+          </a:fillRef>
+          <a:effectRef idx="0">
+            <a:schemeClr val="accent2"/>
+          </a:effectRef>
+          <a:fontRef idx="minor">
+            <a:schemeClr val="lt1"/>
+          </a:fontRef>
+        </p:style>
+        <p:txBody>
+          <a:bodyPr rtlCol="0" anchor="ctr"/>
+          <a:lstStyle/>
+          <a:p>
+            <a:pPr algn="ctr"/>
+            <a:endParaRPr lang="zh-CN" altLang="en-US"/>
+          </a:p>
+        </p:txBody>
+      </p:sp>
+      <p:sp>
+        <p:nvSpPr>
+          <p:cNvPr id="26" name="椭圆 25">
+            <a:extLst>
+              <a:ext uri="{FF2B5EF4-FFF2-40B4-BE49-F238E27FC236}">
+                <a16:creationId xmlns:a16="http://schemas.microsoft.com/office/drawing/2014/main" id="{0188E9F6-66EA-4794-8AA4-1B8C06E15FC7}"/>
+              </a:ext>
+            </a:extLst>
+          </p:cNvPr>
+          <p:cNvSpPr/>
+          <p:nvPr/>
+        </p:nvSpPr>
+        <p:spPr>
+          <a:xfrm>
+            <a:off x="9316449" y="3310151"/>
+            <a:ext cx="45719" cy="45719"/>
+          </a:xfrm>
+          <a:prstGeom prst="ellipse">
+            <a:avLst/>
+          </a:prstGeom>
+          <a:solidFill>
+            <a:srgbClr val="7030A0"/>
+          </a:solidFill>
+        </p:spPr>
+        <p:style>
+          <a:lnRef idx="2">
+            <a:schemeClr val="accent2">
+              <a:shade val="50000"/>
+            </a:schemeClr>
+          </a:lnRef>
+          <a:fillRef idx="1">
+            <a:schemeClr val="accent2"/>
+          </a:fillRef>
+          <a:effectRef idx="0">
+            <a:schemeClr val="accent2"/>
+          </a:effectRef>
+          <a:fontRef idx="minor">
+            <a:schemeClr val="lt1"/>
+          </a:fontRef>
+        </p:style>
+        <p:txBody>
+          <a:bodyPr rtlCol="0" anchor="ctr"/>
+          <a:lstStyle/>
+          <a:p>
+            <a:pPr algn="ctr"/>
+            <a:endParaRPr lang="zh-CN" altLang="en-US"/>
+          </a:p>
+        </p:txBody>
+      </p:sp>
+      <p:sp>
+        <p:nvSpPr>
+          <p:cNvPr id="27" name="椭圆 26">
+            <a:extLst>
+              <a:ext uri="{FF2B5EF4-FFF2-40B4-BE49-F238E27FC236}">
+                <a16:creationId xmlns:a16="http://schemas.microsoft.com/office/drawing/2014/main" id="{E39CEB38-4ED7-4415-88E8-E95D519DDB9E}"/>
+              </a:ext>
+            </a:extLst>
+          </p:cNvPr>
+          <p:cNvSpPr/>
+          <p:nvPr/>
+        </p:nvSpPr>
+        <p:spPr>
+          <a:xfrm>
+            <a:off x="9537428" y="3165554"/>
+            <a:ext cx="45719" cy="45719"/>
+          </a:xfrm>
+          <a:prstGeom prst="ellipse">
+            <a:avLst/>
+          </a:prstGeom>
+          <a:solidFill>
+            <a:srgbClr val="7030A0"/>
+          </a:solidFill>
+        </p:spPr>
+        <p:style>
+          <a:lnRef idx="2">
+            <a:schemeClr val="accent2">
+              <a:shade val="50000"/>
+            </a:schemeClr>
+          </a:lnRef>
+          <a:fillRef idx="1">
+            <a:schemeClr val="accent2"/>
+          </a:fillRef>
+          <a:effectRef idx="0">
+            <a:schemeClr val="accent2"/>
+          </a:effectRef>
+          <a:fontRef idx="minor">
+            <a:schemeClr val="lt1"/>
+          </a:fontRef>
+        </p:style>
+        <p:txBody>
+          <a:bodyPr rtlCol="0" anchor="ctr"/>
+          <a:lstStyle/>
+          <a:p>
+            <a:pPr algn="ctr"/>
+            <a:endParaRPr lang="zh-CN" altLang="en-US"/>
+          </a:p>
+        </p:txBody>
+      </p:sp>
+      <p:sp>
+        <p:nvSpPr>
+          <p:cNvPr id="28" name="椭圆 27">
+            <a:extLst>
+              <a:ext uri="{FF2B5EF4-FFF2-40B4-BE49-F238E27FC236}">
+                <a16:creationId xmlns:a16="http://schemas.microsoft.com/office/drawing/2014/main" id="{40C84BFD-10C9-4980-8903-CF96B785C310}"/>
+              </a:ext>
+            </a:extLst>
+          </p:cNvPr>
+          <p:cNvSpPr/>
+          <p:nvPr/>
+        </p:nvSpPr>
+        <p:spPr>
+          <a:xfrm>
+            <a:off x="9341403" y="3466174"/>
+            <a:ext cx="45719" cy="45719"/>
+          </a:xfrm>
+          <a:prstGeom prst="ellipse">
+            <a:avLst/>
+          </a:prstGeom>
+          <a:solidFill>
+            <a:srgbClr val="7030A0"/>
+          </a:solidFill>
+        </p:spPr>
+        <p:style>
+          <a:lnRef idx="2">
+            <a:schemeClr val="accent2">
+              <a:shade val="50000"/>
+            </a:schemeClr>
+          </a:lnRef>
+          <a:fillRef idx="1">
+            <a:schemeClr val="accent2"/>
+          </a:fillRef>
+          <a:effectRef idx="0">
+            <a:schemeClr val="accent2"/>
+          </a:effectRef>
+          <a:fontRef idx="minor">
+            <a:schemeClr val="lt1"/>
+          </a:fontRef>
+        </p:style>
+        <p:txBody>
+          <a:bodyPr rtlCol="0" anchor="ctr"/>
+          <a:lstStyle/>
+          <a:p>
+            <a:pPr algn="ctr"/>
+            <a:endParaRPr lang="zh-CN" altLang="en-US"/>
+          </a:p>
+        </p:txBody>
+      </p:sp>
+      <p:sp>
+        <p:nvSpPr>
+          <p:cNvPr id="29" name="椭圆 28">
+            <a:extLst>
+              <a:ext uri="{FF2B5EF4-FFF2-40B4-BE49-F238E27FC236}">
+                <a16:creationId xmlns:a16="http://schemas.microsoft.com/office/drawing/2014/main" id="{68E26553-A278-495D-8272-2A89E87A1F7F}"/>
+              </a:ext>
+            </a:extLst>
+          </p:cNvPr>
+          <p:cNvSpPr/>
+          <p:nvPr/>
+        </p:nvSpPr>
+        <p:spPr>
+          <a:xfrm>
+            <a:off x="9537428" y="3336634"/>
+            <a:ext cx="45719" cy="45719"/>
+          </a:xfrm>
+          <a:prstGeom prst="ellipse">
+            <a:avLst/>
+          </a:prstGeom>
+          <a:solidFill>
+            <a:srgbClr val="7030A0"/>
+          </a:solidFill>
+        </p:spPr>
+        <p:style>
+          <a:lnRef idx="2">
+            <a:schemeClr val="accent2">
+              <a:shade val="50000"/>
+            </a:schemeClr>
+          </a:lnRef>
+          <a:fillRef idx="1">
+            <a:schemeClr val="accent2"/>
+          </a:fillRef>
+          <a:effectRef idx="0">
+            <a:schemeClr val="accent2"/>
+          </a:effectRef>
+          <a:fontRef idx="minor">
+            <a:schemeClr val="lt1"/>
+          </a:fontRef>
+        </p:style>
+        <p:txBody>
+          <a:bodyPr rtlCol="0" anchor="ctr"/>
+          <a:lstStyle/>
+          <a:p>
+            <a:pPr algn="ctr"/>
+            <a:endParaRPr lang="zh-CN" altLang="en-US"/>
+          </a:p>
+        </p:txBody>
+      </p:sp>
+      <p:sp>
+        <p:nvSpPr>
+          <p:cNvPr id="30" name="椭圆 29">
+            <a:extLst>
+              <a:ext uri="{FF2B5EF4-FFF2-40B4-BE49-F238E27FC236}">
+                <a16:creationId xmlns:a16="http://schemas.microsoft.com/office/drawing/2014/main" id="{8607895B-77C3-468A-A3E7-BD3516ECFE5B}"/>
+              </a:ext>
+            </a:extLst>
+          </p:cNvPr>
+          <p:cNvSpPr/>
+          <p:nvPr/>
+        </p:nvSpPr>
+        <p:spPr>
+          <a:xfrm>
+            <a:off x="9477478" y="3420455"/>
+            <a:ext cx="45719" cy="45719"/>
+          </a:xfrm>
+          <a:prstGeom prst="ellipse">
+            <a:avLst/>
+          </a:prstGeom>
+          <a:solidFill>
+            <a:srgbClr val="7030A0"/>
+          </a:solidFill>
+        </p:spPr>
+        <p:style>
+          <a:lnRef idx="2">
+            <a:schemeClr val="accent2">
+              <a:shade val="50000"/>
+            </a:schemeClr>
+          </a:lnRef>
+          <a:fillRef idx="1">
+            <a:schemeClr val="accent2"/>
+          </a:fillRef>
+          <a:effectRef idx="0">
+            <a:schemeClr val="accent2"/>
+          </a:effectRef>
+          <a:fontRef idx="minor">
+            <a:schemeClr val="lt1"/>
+          </a:fontRef>
+        </p:style>
+        <p:txBody>
+          <a:bodyPr rtlCol="0" anchor="ctr"/>
+          <a:lstStyle/>
+          <a:p>
+            <a:pPr algn="ctr"/>
+            <a:endParaRPr lang="zh-CN" altLang="en-US"/>
+          </a:p>
+        </p:txBody>
+      </p:sp>
+      <p:sp>
+        <p:nvSpPr>
+          <p:cNvPr id="31" name="椭圆 30">
+            <a:extLst>
+              <a:ext uri="{FF2B5EF4-FFF2-40B4-BE49-F238E27FC236}">
+                <a16:creationId xmlns:a16="http://schemas.microsoft.com/office/drawing/2014/main" id="{954E6B17-F21F-4C9B-A9C0-D3188705346A}"/>
+              </a:ext>
+            </a:extLst>
+          </p:cNvPr>
+          <p:cNvSpPr/>
+          <p:nvPr/>
+        </p:nvSpPr>
+        <p:spPr>
+          <a:xfrm>
+            <a:off x="10480215" y="4041114"/>
+            <a:ext cx="45719" cy="45719"/>
+          </a:xfrm>
+          <a:prstGeom prst="ellipse">
+            <a:avLst/>
+          </a:prstGeom>
+          <a:solidFill>
+            <a:srgbClr val="FFFF00"/>
+          </a:solidFill>
+        </p:spPr>
+        <p:style>
+          <a:lnRef idx="2">
+            <a:schemeClr val="accent2">
+              <a:shade val="50000"/>
+            </a:schemeClr>
+          </a:lnRef>
+          <a:fillRef idx="1">
+            <a:schemeClr val="accent2"/>
+          </a:fillRef>
+          <a:effectRef idx="0">
+            <a:schemeClr val="accent2"/>
+          </a:effectRef>
+          <a:fontRef idx="minor">
+            <a:schemeClr val="lt1"/>
+          </a:fontRef>
+        </p:style>
+        <p:txBody>
+          <a:bodyPr rtlCol="0" anchor="ctr"/>
+          <a:lstStyle/>
+          <a:p>
+            <a:pPr algn="ctr"/>
+            <a:endParaRPr lang="zh-CN" altLang="en-US">
+              <a:solidFill>
+                <a:schemeClr val="accent1"/>
+              </a:solidFill>
+            </a:endParaRPr>
+          </a:p>
+        </p:txBody>
+      </p:sp>
+      <p:sp>
+        <p:nvSpPr>
+          <p:cNvPr id="40" name="椭圆 39">
+            <a:extLst>
+              <a:ext uri="{FF2B5EF4-FFF2-40B4-BE49-F238E27FC236}">
+                <a16:creationId xmlns:a16="http://schemas.microsoft.com/office/drawing/2014/main" id="{05C6241B-FEB3-4226-8EF4-8EA551724EFA}"/>
+              </a:ext>
+            </a:extLst>
+          </p:cNvPr>
+          <p:cNvSpPr/>
+          <p:nvPr/>
+        </p:nvSpPr>
+        <p:spPr>
+          <a:xfrm>
+            <a:off x="10631625" y="3188413"/>
+            <a:ext cx="45719" cy="45719"/>
+          </a:xfrm>
+          <a:prstGeom prst="ellipse">
+            <a:avLst/>
+          </a:prstGeom>
+        </p:spPr>
+        <p:style>
+          <a:lnRef idx="2">
+            <a:schemeClr val="accent2">
+              <a:shade val="50000"/>
+            </a:schemeClr>
+          </a:lnRef>
+          <a:fillRef idx="1">
+            <a:schemeClr val="accent2"/>
+          </a:fillRef>
+          <a:effectRef idx="0">
+            <a:schemeClr val="accent2"/>
+          </a:effectRef>
+          <a:fontRef idx="minor">
+            <a:schemeClr val="lt1"/>
+          </a:fontRef>
+        </p:style>
+        <p:txBody>
+          <a:bodyPr rtlCol="0" anchor="ctr"/>
+          <a:lstStyle/>
+          <a:p>
+            <a:pPr algn="ctr"/>
+            <a:endParaRPr lang="zh-CN" altLang="en-US"/>
+          </a:p>
+        </p:txBody>
+      </p:sp>
+      <p:sp>
+        <p:nvSpPr>
+          <p:cNvPr id="41" name="椭圆 40">
+            <a:extLst>
+              <a:ext uri="{FF2B5EF4-FFF2-40B4-BE49-F238E27FC236}">
+                <a16:creationId xmlns:a16="http://schemas.microsoft.com/office/drawing/2014/main" id="{1467CAA1-0B14-4990-B6DA-D76F1369E567}"/>
+              </a:ext>
+            </a:extLst>
+          </p:cNvPr>
+          <p:cNvSpPr/>
+          <p:nvPr/>
+        </p:nvSpPr>
+        <p:spPr>
+          <a:xfrm>
+            <a:off x="10434496" y="4175956"/>
+            <a:ext cx="45719" cy="45719"/>
+          </a:xfrm>
+          <a:prstGeom prst="ellipse">
+            <a:avLst/>
+          </a:prstGeom>
+          <a:solidFill>
+            <a:srgbClr val="FFFF00"/>
+          </a:solidFill>
+        </p:spPr>
+        <p:style>
+          <a:lnRef idx="2">
+            <a:schemeClr val="accent2">
+              <a:shade val="50000"/>
+            </a:schemeClr>
+          </a:lnRef>
+          <a:fillRef idx="1">
+            <a:schemeClr val="accent2"/>
+          </a:fillRef>
+          <a:effectRef idx="0">
+            <a:schemeClr val="accent2"/>
+          </a:effectRef>
+          <a:fontRef idx="minor">
+            <a:schemeClr val="lt1"/>
+          </a:fontRef>
+        </p:style>
+        <p:txBody>
+          <a:bodyPr rtlCol="0" anchor="ctr"/>
+          <a:lstStyle/>
+          <a:p>
+            <a:pPr algn="ctr"/>
+            <a:endParaRPr lang="zh-CN" altLang="en-US">
+              <a:solidFill>
+                <a:schemeClr val="accent1"/>
+              </a:solidFill>
+            </a:endParaRPr>
+          </a:p>
+        </p:txBody>
+      </p:sp>
+      <p:sp>
+        <p:nvSpPr>
+          <p:cNvPr id="42" name="椭圆 41">
+            <a:extLst>
+              <a:ext uri="{FF2B5EF4-FFF2-40B4-BE49-F238E27FC236}">
+                <a16:creationId xmlns:a16="http://schemas.microsoft.com/office/drawing/2014/main" id="{1F18DB9F-E9D6-4B94-90CA-F05DA2542953}"/>
+              </a:ext>
+            </a:extLst>
+          </p:cNvPr>
+          <p:cNvSpPr/>
+          <p:nvPr/>
+        </p:nvSpPr>
+        <p:spPr>
+          <a:xfrm>
+            <a:off x="10529508" y="4130237"/>
+            <a:ext cx="45719" cy="45719"/>
+          </a:xfrm>
+          <a:prstGeom prst="ellipse">
+            <a:avLst/>
+          </a:prstGeom>
+          <a:solidFill>
+            <a:srgbClr val="FFFF00"/>
+          </a:solidFill>
+        </p:spPr>
+        <p:style>
+          <a:lnRef idx="2">
+            <a:schemeClr val="accent2">
+              <a:shade val="50000"/>
+            </a:schemeClr>
+          </a:lnRef>
+          <a:fillRef idx="1">
+            <a:schemeClr val="accent2"/>
+          </a:fillRef>
+          <a:effectRef idx="0">
+            <a:schemeClr val="accent2"/>
+          </a:effectRef>
+          <a:fontRef idx="minor">
+            <a:schemeClr val="lt1"/>
+          </a:fontRef>
+        </p:style>
+        <p:txBody>
+          <a:bodyPr rtlCol="0" anchor="ctr"/>
+          <a:lstStyle/>
+          <a:p>
+            <a:pPr algn="ctr"/>
+            <a:endParaRPr lang="zh-CN" altLang="en-US">
+              <a:solidFill>
+                <a:schemeClr val="accent1"/>
+              </a:solidFill>
+            </a:endParaRPr>
+          </a:p>
+        </p:txBody>
+      </p:sp>
+      <p:sp>
+        <p:nvSpPr>
+          <p:cNvPr id="43" name="椭圆 42">
+            <a:extLst>
+              <a:ext uri="{FF2B5EF4-FFF2-40B4-BE49-F238E27FC236}">
+                <a16:creationId xmlns:a16="http://schemas.microsoft.com/office/drawing/2014/main" id="{57CA90D4-FD25-40A7-9797-398344CCDA07}"/>
+              </a:ext>
+            </a:extLst>
+          </p:cNvPr>
+          <p:cNvSpPr/>
+          <p:nvPr/>
+        </p:nvSpPr>
+        <p:spPr>
+          <a:xfrm>
+            <a:off x="9596357" y="3986525"/>
+            <a:ext cx="45719" cy="45719"/>
+          </a:xfrm>
+          <a:prstGeom prst="ellipse">
+            <a:avLst/>
+          </a:prstGeom>
+          <a:solidFill>
+            <a:schemeClr val="accent6"/>
+          </a:solidFill>
+        </p:spPr>
+        <p:style>
+          <a:lnRef idx="2">
+            <a:schemeClr val="accent2">
+              <a:shade val="50000"/>
+            </a:schemeClr>
+          </a:lnRef>
+          <a:fillRef idx="1">
+            <a:schemeClr val="accent2"/>
+          </a:fillRef>
+          <a:effectRef idx="0">
+            <a:schemeClr val="accent2"/>
+          </a:effectRef>
+          <a:fontRef idx="minor">
+            <a:schemeClr val="lt1"/>
+          </a:fontRef>
+        </p:style>
+        <p:txBody>
+          <a:bodyPr rtlCol="0" anchor="ctr"/>
+          <a:lstStyle/>
+          <a:p>
+            <a:pPr algn="ctr"/>
+            <a:endParaRPr lang="zh-CN" altLang="en-US"/>
+          </a:p>
+        </p:txBody>
+      </p:sp>
+      <p:sp>
+        <p:nvSpPr>
+          <p:cNvPr id="49" name="椭圆 48">
+            <a:extLst>
+              <a:ext uri="{FF2B5EF4-FFF2-40B4-BE49-F238E27FC236}">
+                <a16:creationId xmlns:a16="http://schemas.microsoft.com/office/drawing/2014/main" id="{C4488B7C-9D05-43B9-A10A-8C18341B2B09}"/>
+              </a:ext>
+            </a:extLst>
+          </p:cNvPr>
+          <p:cNvSpPr/>
+          <p:nvPr/>
+        </p:nvSpPr>
+        <p:spPr>
+          <a:xfrm>
+            <a:off x="9594570" y="4152998"/>
+            <a:ext cx="45719" cy="45719"/>
+          </a:xfrm>
+          <a:prstGeom prst="ellipse">
+            <a:avLst/>
+          </a:prstGeom>
+          <a:solidFill>
+            <a:schemeClr val="accent6"/>
+          </a:solidFill>
+        </p:spPr>
+        <p:style>
+          <a:lnRef idx="2">
+            <a:schemeClr val="accent2">
+              <a:shade val="50000"/>
+            </a:schemeClr>
+          </a:lnRef>
+          <a:fillRef idx="1">
+            <a:schemeClr val="accent2"/>
+          </a:fillRef>
+          <a:effectRef idx="0">
+            <a:schemeClr val="accent2"/>
+          </a:effectRef>
+          <a:fontRef idx="minor">
+            <a:schemeClr val="lt1"/>
+          </a:fontRef>
+        </p:style>
+        <p:txBody>
+          <a:bodyPr rtlCol="0" anchor="ctr"/>
+          <a:lstStyle/>
+          <a:p>
+            <a:pPr algn="ctr"/>
+            <a:endParaRPr lang="zh-CN" altLang="en-US"/>
+          </a:p>
+        </p:txBody>
+      </p:sp>
+      <p:sp>
+        <p:nvSpPr>
+          <p:cNvPr id="50" name="椭圆 49">
+            <a:extLst>
+              <a:ext uri="{FF2B5EF4-FFF2-40B4-BE49-F238E27FC236}">
+                <a16:creationId xmlns:a16="http://schemas.microsoft.com/office/drawing/2014/main" id="{9A168235-9E9E-4F9F-A99F-852B630785A0}"/>
+              </a:ext>
+            </a:extLst>
+          </p:cNvPr>
+          <p:cNvSpPr/>
+          <p:nvPr/>
+        </p:nvSpPr>
+        <p:spPr>
+          <a:xfrm>
+            <a:off x="9728422" y="3769587"/>
+            <a:ext cx="45719" cy="45719"/>
+          </a:xfrm>
+          <a:prstGeom prst="ellipse">
+            <a:avLst/>
+          </a:prstGeom>
+          <a:solidFill>
+            <a:schemeClr val="accent6"/>
+          </a:solidFill>
+        </p:spPr>
+        <p:style>
+          <a:lnRef idx="2">
+            <a:schemeClr val="accent2">
+              <a:shade val="50000"/>
+            </a:schemeClr>
+          </a:lnRef>
+          <a:fillRef idx="1">
+            <a:schemeClr val="accent2"/>
+          </a:fillRef>
+          <a:effectRef idx="0">
+            <a:schemeClr val="accent2"/>
+          </a:effectRef>
+          <a:fontRef idx="minor">
+            <a:schemeClr val="lt1"/>
+          </a:fontRef>
+        </p:style>
+        <p:txBody>
+          <a:bodyPr rtlCol="0" anchor="ctr"/>
+          <a:lstStyle/>
+          <a:p>
+            <a:pPr algn="ctr"/>
+            <a:endParaRPr lang="zh-CN" altLang="en-US"/>
+          </a:p>
+        </p:txBody>
+      </p:sp>
+      <p:sp>
+        <p:nvSpPr>
+          <p:cNvPr id="51" name="椭圆 50">
+            <a:extLst>
+              <a:ext uri="{FF2B5EF4-FFF2-40B4-BE49-F238E27FC236}">
+                <a16:creationId xmlns:a16="http://schemas.microsoft.com/office/drawing/2014/main" id="{7121375C-EEEF-4D0A-831F-FA1891979BBC}"/>
+              </a:ext>
+            </a:extLst>
+          </p:cNvPr>
+          <p:cNvSpPr/>
+          <p:nvPr/>
+        </p:nvSpPr>
+        <p:spPr>
+          <a:xfrm>
+            <a:off x="9732246" y="3953284"/>
+            <a:ext cx="45719" cy="45719"/>
+          </a:xfrm>
+          <a:prstGeom prst="ellipse">
+            <a:avLst/>
+          </a:prstGeom>
+          <a:solidFill>
+            <a:schemeClr val="accent6"/>
+          </a:solidFill>
+        </p:spPr>
+        <p:style>
+          <a:lnRef idx="2">
+            <a:schemeClr val="accent2">
+              <a:shade val="50000"/>
+            </a:schemeClr>
+          </a:lnRef>
+          <a:fillRef idx="1">
+            <a:schemeClr val="accent2"/>
+          </a:fillRef>
+          <a:effectRef idx="0">
+            <a:schemeClr val="accent2"/>
+          </a:effectRef>
+          <a:fontRef idx="minor">
+            <a:schemeClr val="lt1"/>
+          </a:fontRef>
+        </p:style>
+        <p:txBody>
+          <a:bodyPr rtlCol="0" anchor="ctr"/>
+          <a:lstStyle/>
+          <a:p>
+            <a:pPr algn="ctr"/>
+            <a:endParaRPr lang="zh-CN" altLang="en-US"/>
+          </a:p>
+        </p:txBody>
+      </p:sp>
+      <p:sp>
+        <p:nvSpPr>
+          <p:cNvPr id="52" name="椭圆 51">
+            <a:extLst>
+              <a:ext uri="{FF2B5EF4-FFF2-40B4-BE49-F238E27FC236}">
+                <a16:creationId xmlns:a16="http://schemas.microsoft.com/office/drawing/2014/main" id="{40606E4B-0EA9-4D40-9012-0BBF69DC544D}"/>
+              </a:ext>
+            </a:extLst>
+          </p:cNvPr>
+          <p:cNvSpPr/>
+          <p:nvPr/>
+        </p:nvSpPr>
+        <p:spPr>
+          <a:xfrm>
+            <a:off x="10696727" y="4212002"/>
+            <a:ext cx="45719" cy="45719"/>
+          </a:xfrm>
+          <a:prstGeom prst="ellipse">
+            <a:avLst/>
+          </a:prstGeom>
+          <a:solidFill>
+            <a:srgbClr val="FFFF00"/>
+          </a:solidFill>
+        </p:spPr>
+        <p:style>
+          <a:lnRef idx="2">
+            <a:schemeClr val="accent2">
+              <a:shade val="50000"/>
+            </a:schemeClr>
+          </a:lnRef>
+          <a:fillRef idx="1">
+            <a:schemeClr val="accent2"/>
+          </a:fillRef>
+          <a:effectRef idx="0">
+            <a:schemeClr val="accent2"/>
+          </a:effectRef>
+          <a:fontRef idx="minor">
+            <a:schemeClr val="lt1"/>
+          </a:fontRef>
+        </p:style>
+        <p:txBody>
+          <a:bodyPr rtlCol="0" anchor="ctr"/>
+          <a:lstStyle/>
+          <a:p>
+            <a:pPr algn="ctr"/>
+            <a:endParaRPr lang="zh-CN" altLang="en-US">
+              <a:solidFill>
+                <a:schemeClr val="accent1"/>
+              </a:solidFill>
+            </a:endParaRPr>
+          </a:p>
+        </p:txBody>
+      </p:sp>
+      <p:sp>
+        <p:nvSpPr>
+          <p:cNvPr id="53" name="椭圆 52">
+            <a:extLst>
+              <a:ext uri="{FF2B5EF4-FFF2-40B4-BE49-F238E27FC236}">
+                <a16:creationId xmlns:a16="http://schemas.microsoft.com/office/drawing/2014/main" id="{6CA7095D-BA80-4DF5-B799-AF0196FC9354}"/>
+              </a:ext>
+            </a:extLst>
+          </p:cNvPr>
+          <p:cNvSpPr/>
+          <p:nvPr/>
+        </p:nvSpPr>
+        <p:spPr>
+          <a:xfrm>
+            <a:off x="9748757" y="4138925"/>
+            <a:ext cx="45719" cy="45719"/>
+          </a:xfrm>
+          <a:prstGeom prst="ellipse">
+            <a:avLst/>
+          </a:prstGeom>
+          <a:solidFill>
+            <a:schemeClr val="accent6"/>
+          </a:solidFill>
+        </p:spPr>
+        <p:style>
+          <a:lnRef idx="2">
+            <a:schemeClr val="accent2">
+              <a:shade val="50000"/>
+            </a:schemeClr>
+          </a:lnRef>
+          <a:fillRef idx="1">
+            <a:schemeClr val="accent2"/>
+          </a:fillRef>
+          <a:effectRef idx="0">
+            <a:schemeClr val="accent2"/>
+          </a:effectRef>
+          <a:fontRef idx="minor">
+            <a:schemeClr val="lt1"/>
+          </a:fontRef>
+        </p:style>
+        <p:txBody>
+          <a:bodyPr rtlCol="0" anchor="ctr"/>
+          <a:lstStyle/>
+          <a:p>
+            <a:pPr algn="ctr"/>
+            <a:endParaRPr lang="zh-CN" altLang="en-US"/>
+          </a:p>
+        </p:txBody>
+      </p:sp>
+      <p:sp>
+        <p:nvSpPr>
+          <p:cNvPr id="54" name="椭圆 53">
+            <a:extLst>
+              <a:ext uri="{FF2B5EF4-FFF2-40B4-BE49-F238E27FC236}">
+                <a16:creationId xmlns:a16="http://schemas.microsoft.com/office/drawing/2014/main" id="{9ADA4595-E307-4896-BAB1-CC1D440FA117}"/>
+              </a:ext>
+            </a:extLst>
+          </p:cNvPr>
+          <p:cNvSpPr/>
+          <p:nvPr/>
+        </p:nvSpPr>
+        <p:spPr>
+          <a:xfrm>
+            <a:off x="9746970" y="4305398"/>
+            <a:ext cx="45719" cy="45719"/>
+          </a:xfrm>
+          <a:prstGeom prst="ellipse">
+            <a:avLst/>
+          </a:prstGeom>
+          <a:solidFill>
+            <a:schemeClr val="accent6"/>
+          </a:solidFill>
+        </p:spPr>
+        <p:style>
+          <a:lnRef idx="2">
+            <a:schemeClr val="accent2">
+              <a:shade val="50000"/>
+            </a:schemeClr>
+          </a:lnRef>
+          <a:fillRef idx="1">
+            <a:schemeClr val="accent2"/>
+          </a:fillRef>
+          <a:effectRef idx="0">
+            <a:schemeClr val="accent2"/>
+          </a:effectRef>
+          <a:fontRef idx="minor">
+            <a:schemeClr val="lt1"/>
+          </a:fontRef>
+        </p:style>
+        <p:txBody>
+          <a:bodyPr rtlCol="0" anchor="ctr"/>
+          <a:lstStyle/>
+          <a:p>
+            <a:pPr algn="ctr"/>
+            <a:endParaRPr lang="zh-CN" altLang="en-US"/>
+          </a:p>
+        </p:txBody>
+      </p:sp>
+      <p:sp>
+        <p:nvSpPr>
+          <p:cNvPr id="55" name="椭圆 54">
+            <a:extLst>
+              <a:ext uri="{FF2B5EF4-FFF2-40B4-BE49-F238E27FC236}">
+                <a16:creationId xmlns:a16="http://schemas.microsoft.com/office/drawing/2014/main" id="{F9FE61E9-7E16-419A-AD7F-C705EE5BCF80}"/>
+              </a:ext>
+            </a:extLst>
+          </p:cNvPr>
+          <p:cNvSpPr/>
+          <p:nvPr/>
+        </p:nvSpPr>
+        <p:spPr>
+          <a:xfrm>
+            <a:off x="9880822" y="3921987"/>
+            <a:ext cx="45719" cy="45719"/>
+          </a:xfrm>
+          <a:prstGeom prst="ellipse">
+            <a:avLst/>
+          </a:prstGeom>
+          <a:solidFill>
+            <a:schemeClr val="accent6"/>
+          </a:solidFill>
+        </p:spPr>
+        <p:style>
+          <a:lnRef idx="2">
+            <a:schemeClr val="accent2">
+              <a:shade val="50000"/>
+            </a:schemeClr>
+          </a:lnRef>
+          <a:fillRef idx="1">
+            <a:schemeClr val="accent2"/>
+          </a:fillRef>
+          <a:effectRef idx="0">
+            <a:schemeClr val="accent2"/>
+          </a:effectRef>
+          <a:fontRef idx="minor">
+            <a:schemeClr val="lt1"/>
+          </a:fontRef>
+        </p:style>
+        <p:txBody>
+          <a:bodyPr rtlCol="0" anchor="ctr"/>
+          <a:lstStyle/>
+          <a:p>
+            <a:pPr algn="ctr"/>
+            <a:endParaRPr lang="zh-CN" altLang="en-US"/>
+          </a:p>
+        </p:txBody>
+      </p:sp>
+      <p:sp>
+        <p:nvSpPr>
+          <p:cNvPr id="56" name="椭圆 55">
+            <a:extLst>
+              <a:ext uri="{FF2B5EF4-FFF2-40B4-BE49-F238E27FC236}">
+                <a16:creationId xmlns:a16="http://schemas.microsoft.com/office/drawing/2014/main" id="{D0E453B6-5B4B-4540-BC5C-AA926805695A}"/>
+              </a:ext>
+            </a:extLst>
+          </p:cNvPr>
+          <p:cNvSpPr/>
+          <p:nvPr/>
+        </p:nvSpPr>
+        <p:spPr>
+          <a:xfrm>
+            <a:off x="9884646" y="4105684"/>
+            <a:ext cx="45719" cy="45719"/>
+          </a:xfrm>
+          <a:prstGeom prst="ellipse">
+            <a:avLst/>
+          </a:prstGeom>
+          <a:solidFill>
+            <a:schemeClr val="accent6"/>
+          </a:solidFill>
+        </p:spPr>
+        <p:style>
+          <a:lnRef idx="2">
+            <a:schemeClr val="accent2">
+              <a:shade val="50000"/>
+            </a:schemeClr>
+          </a:lnRef>
+          <a:fillRef idx="1">
+            <a:schemeClr val="accent2"/>
+          </a:fillRef>
+          <a:effectRef idx="0">
+            <a:schemeClr val="accent2"/>
+          </a:effectRef>
+          <a:fontRef idx="minor">
+            <a:schemeClr val="lt1"/>
+          </a:fontRef>
+        </p:style>
+        <p:txBody>
+          <a:bodyPr rtlCol="0" anchor="ctr"/>
+          <a:lstStyle/>
+          <a:p>
+            <a:pPr algn="ctr"/>
+            <a:endParaRPr lang="zh-CN" altLang="en-US"/>
+          </a:p>
+        </p:txBody>
+      </p:sp>
+      <p:sp>
+        <p:nvSpPr>
+          <p:cNvPr id="57" name="椭圆 56">
+            <a:extLst>
+              <a:ext uri="{FF2B5EF4-FFF2-40B4-BE49-F238E27FC236}">
+                <a16:creationId xmlns:a16="http://schemas.microsoft.com/office/drawing/2014/main" id="{2B761373-88B4-476F-A2F2-B3210E788A90}"/>
+              </a:ext>
+            </a:extLst>
+          </p:cNvPr>
+          <p:cNvSpPr/>
+          <p:nvPr/>
+        </p:nvSpPr>
+        <p:spPr>
+          <a:xfrm>
+            <a:off x="10759588" y="4107378"/>
+            <a:ext cx="45719" cy="45719"/>
+          </a:xfrm>
+          <a:prstGeom prst="ellipse">
+            <a:avLst/>
+          </a:prstGeom>
+          <a:solidFill>
+            <a:srgbClr val="FFFF00"/>
+          </a:solidFill>
+        </p:spPr>
+        <p:style>
+          <a:lnRef idx="2">
+            <a:schemeClr val="accent2">
+              <a:shade val="50000"/>
+            </a:schemeClr>
+          </a:lnRef>
+          <a:fillRef idx="1">
+            <a:schemeClr val="accent2"/>
+          </a:fillRef>
+          <a:effectRef idx="0">
+            <a:schemeClr val="accent2"/>
+          </a:effectRef>
+          <a:fontRef idx="minor">
+            <a:schemeClr val="lt1"/>
+          </a:fontRef>
+        </p:style>
+        <p:txBody>
+          <a:bodyPr rtlCol="0" anchor="ctr"/>
+          <a:lstStyle/>
+          <a:p>
+            <a:pPr algn="ctr"/>
+            <a:endParaRPr lang="zh-CN" altLang="en-US">
+              <a:solidFill>
+                <a:schemeClr val="accent1"/>
+              </a:solidFill>
+            </a:endParaRPr>
+          </a:p>
+        </p:txBody>
+      </p:sp>
+    </p:spTree>
+    <p:extLst>
+      <p:ext uri="{BB962C8B-B14F-4D97-AF65-F5344CB8AC3E}">
+        <p14:creationId xmlns:p14="http://schemas.microsoft.com/office/powerpoint/2010/main" val="2871112117"/>
+      </p:ext>
+    </p:extLst>
+  </p:cSld>
+  <p:clrMapOvr>
+    <a:masterClrMapping/>
+  </p:clrMapOvr>
+</p:sld>
+</file>
+
 <file path=ppt/slides/slide2.xml><?xml version="1.0" encoding="utf-8"?>
 <p:sld xmlns:a="http://schemas.openxmlformats.org/drawingml/2006/main" xmlns:r="http://schemas.openxmlformats.org/officeDocument/2006/relationships" xmlns:p="http://schemas.openxmlformats.org/presentationml/2006/main">
   <p:cSld>
@@ -10079,8 +12146,8 @@
           </a:fontRef>
         </p:style>
       </p:cxnSp>
-      <mc:AlternateContent xmlns:mc="http://schemas.openxmlformats.org/markup-compatibility/2006">
-        <mc:Choice xmlns:a14="http://schemas.microsoft.com/office/drawing/2010/main" Requires="a14">
+      <mc:AlternateContent xmlns:mc="http://schemas.openxmlformats.org/markup-compatibility/2006" xmlns:a14="http://schemas.microsoft.com/office/drawing/2010/main">
+        <mc:Choice Requires="a14">
           <p:sp>
             <p:nvSpPr>
               <p:cNvPr id="44" name="文本框 43">
@@ -10109,6 +12176,7 @@
               </a:bodyPr>
               <a:lstStyle/>
               <a:p>
+                <a:pPr/>
                 <a14:m>
                   <m:oMathPara xmlns:m="http://schemas.openxmlformats.org/officeDocument/2006/math">
                     <m:oMathParaPr>
@@ -10118,7 +12186,7 @@
                       <m:sSub>
                         <m:sSubPr>
                           <m:ctrlPr>
-                            <a:rPr lang="zh-CN" altLang="en-US" dirty="0" smtClean="0">
+                            <a:rPr lang="zh-CN" altLang="en-US" i="1" dirty="0" smtClean="0">
                               <a:latin typeface="Cambria Math" panose="02040503050406030204" pitchFamily="18" charset="0"/>
                             </a:rPr>
                           </m:ctrlPr>
@@ -10148,7 +12216,7 @@
             </p:txBody>
           </p:sp>
         </mc:Choice>
-        <mc:Fallback>
+        <mc:Fallback xmlns="">
           <p:sp>
             <p:nvSpPr>
               <p:cNvPr id="44" name="文本框 43">
@@ -10193,8 +12261,8 @@
           </p:sp>
         </mc:Fallback>
       </mc:AlternateContent>
-      <mc:AlternateContent xmlns:mc="http://schemas.openxmlformats.org/markup-compatibility/2006">
-        <mc:Choice xmlns:a14="http://schemas.microsoft.com/office/drawing/2010/main" Requires="a14">
+      <mc:AlternateContent xmlns:mc="http://schemas.openxmlformats.org/markup-compatibility/2006" xmlns:a14="http://schemas.microsoft.com/office/drawing/2010/main">
+        <mc:Choice Requires="a14">
           <p:sp>
             <p:nvSpPr>
               <p:cNvPr id="45" name="文本框 44">
@@ -10223,6 +12291,7 @@
               </a:bodyPr>
               <a:lstStyle/>
               <a:p>
+                <a:pPr/>
                 <a14:m>
                   <m:oMathPara xmlns:m="http://schemas.openxmlformats.org/officeDocument/2006/math">
                     <m:oMathParaPr>
@@ -10262,7 +12331,7 @@
             </p:txBody>
           </p:sp>
         </mc:Choice>
-        <mc:Fallback>
+        <mc:Fallback xmlns="">
           <p:sp>
             <p:nvSpPr>
               <p:cNvPr id="45" name="文本框 44">
@@ -10350,8 +12419,8 @@
           </a:fontRef>
         </p:style>
       </p:cxnSp>
-      <mc:AlternateContent xmlns:mc="http://schemas.openxmlformats.org/markup-compatibility/2006">
-        <mc:Choice xmlns:a14="http://schemas.microsoft.com/office/drawing/2010/main" Requires="a14">
+      <mc:AlternateContent xmlns:mc="http://schemas.openxmlformats.org/markup-compatibility/2006" xmlns:a14="http://schemas.microsoft.com/office/drawing/2010/main">
+        <mc:Choice Requires="a14">
           <p:sp>
             <p:nvSpPr>
               <p:cNvPr id="53" name="文本框 52">
@@ -10380,6 +12449,7 @@
               </a:bodyPr>
               <a:lstStyle/>
               <a:p>
+                <a:pPr/>
                 <a14:m>
                   <m:oMathPara xmlns:m="http://schemas.openxmlformats.org/officeDocument/2006/math">
                     <m:oMathParaPr>
@@ -10422,7 +12492,7 @@
             </p:txBody>
           </p:sp>
         </mc:Choice>
-        <mc:Fallback>
+        <mc:Fallback xmlns="">
           <p:sp>
             <p:nvSpPr>
               <p:cNvPr id="53" name="文本框 52">
@@ -11641,8 +13711,8 @@
           </a:fontRef>
         </p:style>
       </p:cxnSp>
-      <mc:AlternateContent xmlns:mc="http://schemas.openxmlformats.org/markup-compatibility/2006">
-        <mc:Choice xmlns:a14="http://schemas.microsoft.com/office/drawing/2010/main" Requires="a14">
+      <mc:AlternateContent xmlns:mc="http://schemas.openxmlformats.org/markup-compatibility/2006" xmlns:a14="http://schemas.microsoft.com/office/drawing/2010/main">
+        <mc:Choice Requires="a14">
           <p:sp>
             <p:nvSpPr>
               <p:cNvPr id="121" name="文本框 120">
@@ -11671,6 +13741,7 @@
               </a:bodyPr>
               <a:lstStyle/>
               <a:p>
+                <a:pPr/>
                 <a14:m>
                   <m:oMathPara xmlns:m="http://schemas.openxmlformats.org/officeDocument/2006/math">
                     <m:oMathParaPr>
@@ -11680,7 +13751,7 @@
                       <m:sSub>
                         <m:sSubPr>
                           <m:ctrlPr>
-                            <a:rPr lang="zh-CN" altLang="en-US" dirty="0" smtClean="0">
+                            <a:rPr lang="zh-CN" altLang="en-US" i="1" dirty="0" smtClean="0">
                               <a:latin typeface="Cambria Math" panose="02040503050406030204" pitchFamily="18" charset="0"/>
                             </a:rPr>
                           </m:ctrlPr>
@@ -11690,7 +13761,7 @@
                             <m:accPr>
                               <m:chr m:val="̂"/>
                               <m:ctrlPr>
-                                <a:rPr lang="zh-CN" altLang="en-US" dirty="0">
+                                <a:rPr lang="zh-CN" altLang="en-US" i="1" dirty="0">
                                   <a:latin typeface="Cambria Math" panose="02040503050406030204" pitchFamily="18" charset="0"/>
                                 </a:rPr>
                               </m:ctrlPr>
@@ -11722,7 +13793,7 @@
             </p:txBody>
           </p:sp>
         </mc:Choice>
-        <mc:Fallback>
+        <mc:Fallback xmlns="">
           <p:sp>
             <p:nvSpPr>
               <p:cNvPr id="121" name="文本框 120">
@@ -11767,8 +13838,8 @@
           </p:sp>
         </mc:Fallback>
       </mc:AlternateContent>
-      <mc:AlternateContent xmlns:mc="http://schemas.openxmlformats.org/markup-compatibility/2006">
-        <mc:Choice xmlns:a14="http://schemas.microsoft.com/office/drawing/2010/main" Requires="a14">
+      <mc:AlternateContent xmlns:mc="http://schemas.openxmlformats.org/markup-compatibility/2006" xmlns:a14="http://schemas.microsoft.com/office/drawing/2010/main">
+        <mc:Choice Requires="a14">
           <p:sp>
             <p:nvSpPr>
               <p:cNvPr id="122" name="文本框 121">
@@ -11797,6 +13868,7 @@
               </a:bodyPr>
               <a:lstStyle/>
               <a:p>
+                <a:pPr/>
                 <a14:m>
                   <m:oMathPara xmlns:m="http://schemas.openxmlformats.org/officeDocument/2006/math">
                     <m:oMathParaPr>
@@ -11848,7 +13920,7 @@
             </p:txBody>
           </p:sp>
         </mc:Choice>
-        <mc:Fallback>
+        <mc:Fallback xmlns="">
           <p:sp>
             <p:nvSpPr>
               <p:cNvPr id="122" name="文本框 121">
@@ -11893,8 +13965,8 @@
           </p:sp>
         </mc:Fallback>
       </mc:AlternateContent>
-      <mc:AlternateContent xmlns:mc="http://schemas.openxmlformats.org/markup-compatibility/2006">
-        <mc:Choice xmlns:a14="http://schemas.microsoft.com/office/drawing/2010/main" Requires="a14">
+      <mc:AlternateContent xmlns:mc="http://schemas.openxmlformats.org/markup-compatibility/2006" xmlns:a14="http://schemas.microsoft.com/office/drawing/2010/main">
+        <mc:Choice Requires="a14">
           <p:sp>
             <p:nvSpPr>
               <p:cNvPr id="123" name="文本框 122">
@@ -11923,6 +13995,7 @@
               </a:bodyPr>
               <a:lstStyle/>
               <a:p>
+                <a:pPr/>
                 <a14:m>
                   <m:oMathPara xmlns:m="http://schemas.openxmlformats.org/officeDocument/2006/math">
                     <m:oMathParaPr>
@@ -11977,7 +14050,7 @@
             </p:txBody>
           </p:sp>
         </mc:Choice>
-        <mc:Fallback>
+        <mc:Fallback xmlns="">
           <p:sp>
             <p:nvSpPr>
               <p:cNvPr id="123" name="文本框 122">
@@ -12169,8 +14242,8 @@
           </a:fontRef>
         </p:style>
       </p:cxnSp>
-      <mc:AlternateContent xmlns:mc="http://schemas.openxmlformats.org/markup-compatibility/2006">
-        <mc:Choice xmlns:a14="http://schemas.microsoft.com/office/drawing/2010/main" Requires="a14">
+      <mc:AlternateContent xmlns:mc="http://schemas.openxmlformats.org/markup-compatibility/2006" xmlns:a14="http://schemas.microsoft.com/office/drawing/2010/main">
+        <mc:Choice Requires="a14">
           <p:sp>
             <p:nvSpPr>
               <p:cNvPr id="129" name="矩形 128">
@@ -12230,7 +14303,7 @@
                       <m:sSub>
                         <m:sSubPr>
                           <m:ctrlPr>
-                            <a:rPr lang="zh-CN" altLang="en-US" dirty="0" smtClean="0">
+                            <a:rPr lang="zh-CN" altLang="en-US" i="1" dirty="0" smtClean="0">
                               <a:solidFill>
                                 <a:schemeClr val="tx1"/>
                               </a:solidFill>
@@ -12273,7 +14346,7 @@
             </p:txBody>
           </p:sp>
         </mc:Choice>
-        <mc:Fallback>
+        <mc:Fallback xmlns="">
           <p:sp>
             <p:nvSpPr>
               <p:cNvPr id="129" name="矩形 128">
@@ -13613,8 +15686,8 @@
           </a:fontRef>
         </p:style>
       </p:cxnSp>
-      <mc:AlternateContent xmlns:mc="http://schemas.openxmlformats.org/markup-compatibility/2006">
-        <mc:Choice xmlns:a14="http://schemas.microsoft.com/office/drawing/2010/main" Requires="a14">
+      <mc:AlternateContent xmlns:mc="http://schemas.openxmlformats.org/markup-compatibility/2006" xmlns:a14="http://schemas.microsoft.com/office/drawing/2010/main">
+        <mc:Choice Requires="a14">
           <p:sp>
             <p:nvSpPr>
               <p:cNvPr id="139" name="文本框 138">
@@ -13643,6 +15716,7 @@
               </a:bodyPr>
               <a:lstStyle/>
               <a:p>
+                <a:pPr/>
                 <a14:m>
                   <m:oMathPara xmlns:m="http://schemas.openxmlformats.org/officeDocument/2006/math">
                     <m:oMathParaPr>
@@ -13652,7 +15726,7 @@
                       <m:sSub>
                         <m:sSubPr>
                           <m:ctrlPr>
-                            <a:rPr lang="zh-CN" altLang="en-US" dirty="0" smtClean="0">
+                            <a:rPr lang="zh-CN" altLang="en-US" i="1" dirty="0" smtClean="0">
                               <a:latin typeface="Cambria Math" panose="02040503050406030204" pitchFamily="18" charset="0"/>
                             </a:rPr>
                           </m:ctrlPr>
@@ -13682,7 +15756,7 @@
             </p:txBody>
           </p:sp>
         </mc:Choice>
-        <mc:Fallback>
+        <mc:Fallback xmlns="">
           <p:sp>
             <p:nvSpPr>
               <p:cNvPr id="139" name="文本框 138">
@@ -13727,8 +15801,8 @@
           </p:sp>
         </mc:Fallback>
       </mc:AlternateContent>
-      <mc:AlternateContent xmlns:mc="http://schemas.openxmlformats.org/markup-compatibility/2006">
-        <mc:Choice xmlns:a14="http://schemas.microsoft.com/office/drawing/2010/main" Requires="a14">
+      <mc:AlternateContent xmlns:mc="http://schemas.openxmlformats.org/markup-compatibility/2006" xmlns:a14="http://schemas.microsoft.com/office/drawing/2010/main">
+        <mc:Choice Requires="a14">
           <p:sp>
             <p:nvSpPr>
               <p:cNvPr id="140" name="文本框 139">
@@ -13757,6 +15831,7 @@
               </a:bodyPr>
               <a:lstStyle/>
               <a:p>
+                <a:pPr/>
                 <a14:m>
                   <m:oMathPara xmlns:m="http://schemas.openxmlformats.org/officeDocument/2006/math">
                     <m:oMathParaPr>
@@ -13796,7 +15871,7 @@
             </p:txBody>
           </p:sp>
         </mc:Choice>
-        <mc:Fallback>
+        <mc:Fallback xmlns="">
           <p:sp>
             <p:nvSpPr>
               <p:cNvPr id="140" name="文本框 139">
@@ -13884,8 +15959,8 @@
           </a:fontRef>
         </p:style>
       </p:cxnSp>
-      <mc:AlternateContent xmlns:mc="http://schemas.openxmlformats.org/markup-compatibility/2006">
-        <mc:Choice xmlns:a14="http://schemas.microsoft.com/office/drawing/2010/main" Requires="a14">
+      <mc:AlternateContent xmlns:mc="http://schemas.openxmlformats.org/markup-compatibility/2006" xmlns:a14="http://schemas.microsoft.com/office/drawing/2010/main">
+        <mc:Choice Requires="a14">
           <p:sp>
             <p:nvSpPr>
               <p:cNvPr id="142" name="文本框 141">
@@ -13914,6 +15989,7 @@
               </a:bodyPr>
               <a:lstStyle/>
               <a:p>
+                <a:pPr/>
                 <a14:m>
                   <m:oMathPara xmlns:m="http://schemas.openxmlformats.org/officeDocument/2006/math">
                     <m:oMathParaPr>
@@ -13956,7 +16032,7 @@
             </p:txBody>
           </p:sp>
         </mc:Choice>
-        <mc:Fallback>
+        <mc:Fallback xmlns="">
           <p:sp>
             <p:nvSpPr>
               <p:cNvPr id="142" name="文本框 141">
@@ -15175,8 +17251,8 @@
           </a:fontRef>
         </p:style>
       </p:cxnSp>
-      <mc:AlternateContent xmlns:mc="http://schemas.openxmlformats.org/markup-compatibility/2006">
-        <mc:Choice xmlns:a14="http://schemas.microsoft.com/office/drawing/2010/main" Requires="a14">
+      <mc:AlternateContent xmlns:mc="http://schemas.openxmlformats.org/markup-compatibility/2006" xmlns:a14="http://schemas.microsoft.com/office/drawing/2010/main">
+        <mc:Choice Requires="a14">
           <p:sp>
             <p:nvSpPr>
               <p:cNvPr id="168" name="文本框 167">
@@ -15205,6 +17281,7 @@
               </a:bodyPr>
               <a:lstStyle/>
               <a:p>
+                <a:pPr/>
                 <a14:m>
                   <m:oMathPara xmlns:m="http://schemas.openxmlformats.org/officeDocument/2006/math">
                     <m:oMathParaPr>
@@ -15214,7 +17291,7 @@
                       <m:sSub>
                         <m:sSubPr>
                           <m:ctrlPr>
-                            <a:rPr lang="zh-CN" altLang="en-US" dirty="0" smtClean="0">
+                            <a:rPr lang="zh-CN" altLang="en-US" i="1" dirty="0" smtClean="0">
                               <a:latin typeface="Cambria Math" panose="02040503050406030204" pitchFamily="18" charset="0"/>
                             </a:rPr>
                           </m:ctrlPr>
@@ -15224,7 +17301,7 @@
                             <m:accPr>
                               <m:chr m:val="̂"/>
                               <m:ctrlPr>
-                                <a:rPr lang="zh-CN" altLang="en-US" dirty="0">
+                                <a:rPr lang="zh-CN" altLang="en-US" i="1" dirty="0">
                                   <a:latin typeface="Cambria Math" panose="02040503050406030204" pitchFamily="18" charset="0"/>
                                 </a:rPr>
                               </m:ctrlPr>
@@ -15256,7 +17333,7 @@
             </p:txBody>
           </p:sp>
         </mc:Choice>
-        <mc:Fallback>
+        <mc:Fallback xmlns="">
           <p:sp>
             <p:nvSpPr>
               <p:cNvPr id="168" name="文本框 167">
@@ -15301,8 +17378,8 @@
           </p:sp>
         </mc:Fallback>
       </mc:AlternateContent>
-      <mc:AlternateContent xmlns:mc="http://schemas.openxmlformats.org/markup-compatibility/2006">
-        <mc:Choice xmlns:a14="http://schemas.microsoft.com/office/drawing/2010/main" Requires="a14">
+      <mc:AlternateContent xmlns:mc="http://schemas.openxmlformats.org/markup-compatibility/2006" xmlns:a14="http://schemas.microsoft.com/office/drawing/2010/main">
+        <mc:Choice Requires="a14">
           <p:sp>
             <p:nvSpPr>
               <p:cNvPr id="169" name="文本框 168">
@@ -15331,6 +17408,7 @@
               </a:bodyPr>
               <a:lstStyle/>
               <a:p>
+                <a:pPr/>
                 <a14:m>
                   <m:oMathPara xmlns:m="http://schemas.openxmlformats.org/officeDocument/2006/math">
                     <m:oMathParaPr>
@@ -15382,7 +17460,7 @@
             </p:txBody>
           </p:sp>
         </mc:Choice>
-        <mc:Fallback>
+        <mc:Fallback xmlns="">
           <p:sp>
             <p:nvSpPr>
               <p:cNvPr id="169" name="文本框 168">
@@ -15427,8 +17505,8 @@
           </p:sp>
         </mc:Fallback>
       </mc:AlternateContent>
-      <mc:AlternateContent xmlns:mc="http://schemas.openxmlformats.org/markup-compatibility/2006">
-        <mc:Choice xmlns:a14="http://schemas.microsoft.com/office/drawing/2010/main" Requires="a14">
+      <mc:AlternateContent xmlns:mc="http://schemas.openxmlformats.org/markup-compatibility/2006" xmlns:a14="http://schemas.microsoft.com/office/drawing/2010/main">
+        <mc:Choice Requires="a14">
           <p:sp>
             <p:nvSpPr>
               <p:cNvPr id="170" name="文本框 169">
@@ -15457,6 +17535,7 @@
               </a:bodyPr>
               <a:lstStyle/>
               <a:p>
+                <a:pPr/>
                 <a14:m>
                   <m:oMathPara xmlns:m="http://schemas.openxmlformats.org/officeDocument/2006/math">
                     <m:oMathParaPr>
@@ -15511,7 +17590,7 @@
             </p:txBody>
           </p:sp>
         </mc:Choice>
-        <mc:Fallback>
+        <mc:Fallback xmlns="">
           <p:sp>
             <p:nvSpPr>
               <p:cNvPr id="170" name="文本框 169">

--- a/picture.pptx
+++ b/picture.pptx
@@ -274,7 +274,7 @@
           <a:p>
             <a:fld id="{A9384E5F-E0F3-45C7-99B0-170845732DB3}" type="datetimeFigureOut">
               <a:rPr lang="zh-CN" altLang="en-US" smtClean="0"/>
-              <a:t>2018/1/26</a:t>
+              <a:t>2018/1/28</a:t>
             </a:fld>
             <a:endParaRPr lang="zh-CN" altLang="en-US"/>
           </a:p>
@@ -472,7 +472,7 @@
           <a:p>
             <a:fld id="{A9384E5F-E0F3-45C7-99B0-170845732DB3}" type="datetimeFigureOut">
               <a:rPr lang="zh-CN" altLang="en-US" smtClean="0"/>
-              <a:t>2018/1/26</a:t>
+              <a:t>2018/1/28</a:t>
             </a:fld>
             <a:endParaRPr lang="zh-CN" altLang="en-US"/>
           </a:p>
@@ -680,7 +680,7 @@
           <a:p>
             <a:fld id="{A9384E5F-E0F3-45C7-99B0-170845732DB3}" type="datetimeFigureOut">
               <a:rPr lang="zh-CN" altLang="en-US" smtClean="0"/>
-              <a:t>2018/1/26</a:t>
+              <a:t>2018/1/28</a:t>
             </a:fld>
             <a:endParaRPr lang="zh-CN" altLang="en-US"/>
           </a:p>
@@ -878,7 +878,7 @@
           <a:p>
             <a:fld id="{A9384E5F-E0F3-45C7-99B0-170845732DB3}" type="datetimeFigureOut">
               <a:rPr lang="zh-CN" altLang="en-US" smtClean="0"/>
-              <a:t>2018/1/26</a:t>
+              <a:t>2018/1/28</a:t>
             </a:fld>
             <a:endParaRPr lang="zh-CN" altLang="en-US"/>
           </a:p>
@@ -1153,7 +1153,7 @@
           <a:p>
             <a:fld id="{A9384E5F-E0F3-45C7-99B0-170845732DB3}" type="datetimeFigureOut">
               <a:rPr lang="zh-CN" altLang="en-US" smtClean="0"/>
-              <a:t>2018/1/26</a:t>
+              <a:t>2018/1/28</a:t>
             </a:fld>
             <a:endParaRPr lang="zh-CN" altLang="en-US"/>
           </a:p>
@@ -1418,7 +1418,7 @@
           <a:p>
             <a:fld id="{A9384E5F-E0F3-45C7-99B0-170845732DB3}" type="datetimeFigureOut">
               <a:rPr lang="zh-CN" altLang="en-US" smtClean="0"/>
-              <a:t>2018/1/26</a:t>
+              <a:t>2018/1/28</a:t>
             </a:fld>
             <a:endParaRPr lang="zh-CN" altLang="en-US"/>
           </a:p>
@@ -1830,7 +1830,7 @@
           <a:p>
             <a:fld id="{A9384E5F-E0F3-45C7-99B0-170845732DB3}" type="datetimeFigureOut">
               <a:rPr lang="zh-CN" altLang="en-US" smtClean="0"/>
-              <a:t>2018/1/26</a:t>
+              <a:t>2018/1/28</a:t>
             </a:fld>
             <a:endParaRPr lang="zh-CN" altLang="en-US"/>
           </a:p>
@@ -1971,7 +1971,7 @@
           <a:p>
             <a:fld id="{A9384E5F-E0F3-45C7-99B0-170845732DB3}" type="datetimeFigureOut">
               <a:rPr lang="zh-CN" altLang="en-US" smtClean="0"/>
-              <a:t>2018/1/26</a:t>
+              <a:t>2018/1/28</a:t>
             </a:fld>
             <a:endParaRPr lang="zh-CN" altLang="en-US"/>
           </a:p>
@@ -2084,7 +2084,7 @@
           <a:p>
             <a:fld id="{A9384E5F-E0F3-45C7-99B0-170845732DB3}" type="datetimeFigureOut">
               <a:rPr lang="zh-CN" altLang="en-US" smtClean="0"/>
-              <a:t>2018/1/26</a:t>
+              <a:t>2018/1/28</a:t>
             </a:fld>
             <a:endParaRPr lang="zh-CN" altLang="en-US"/>
           </a:p>
@@ -2395,7 +2395,7 @@
           <a:p>
             <a:fld id="{A9384E5F-E0F3-45C7-99B0-170845732DB3}" type="datetimeFigureOut">
               <a:rPr lang="zh-CN" altLang="en-US" smtClean="0"/>
-              <a:t>2018/1/26</a:t>
+              <a:t>2018/1/28</a:t>
             </a:fld>
             <a:endParaRPr lang="zh-CN" altLang="en-US"/>
           </a:p>
@@ -2683,7 +2683,7 @@
           <a:p>
             <a:fld id="{A9384E5F-E0F3-45C7-99B0-170845732DB3}" type="datetimeFigureOut">
               <a:rPr lang="zh-CN" altLang="en-US" smtClean="0"/>
-              <a:t>2018/1/26</a:t>
+              <a:t>2018/1/28</a:t>
             </a:fld>
             <a:endParaRPr lang="zh-CN" altLang="en-US"/>
           </a:p>
@@ -2924,7 +2924,7 @@
           <a:p>
             <a:fld id="{A9384E5F-E0F3-45C7-99B0-170845732DB3}" type="datetimeFigureOut">
               <a:rPr lang="zh-CN" altLang="en-US" smtClean="0"/>
-              <a:t>2018/1/26</a:t>
+              <a:t>2018/1/28</a:t>
             </a:fld>
             <a:endParaRPr lang="zh-CN" altLang="en-US"/>
           </a:p>
@@ -7051,8 +7051,8 @@
           <a:chExt cx="0" cy="0"/>
         </a:xfrm>
       </p:grpSpPr>
-      <mc:AlternateContent xmlns:mc="http://schemas.openxmlformats.org/markup-compatibility/2006">
-        <mc:Choice xmlns:a14="http://schemas.microsoft.com/office/drawing/2010/main" Requires="a14">
+      <mc:AlternateContent xmlns:mc="http://schemas.openxmlformats.org/markup-compatibility/2006" xmlns:a14="http://schemas.microsoft.com/office/drawing/2010/main">
+        <mc:Choice Requires="a14">
           <p:sp>
             <p:nvSpPr>
               <p:cNvPr id="4" name="文本框 3">
@@ -7091,7 +7091,7 @@
                       <m:sSup>
                         <m:sSupPr>
                           <m:ctrlPr>
-                            <a:rPr lang="zh-CN" altLang="en-US" i="0" dirty="0" smtClean="0">
+                            <a:rPr lang="zh-CN" altLang="en-US" i="1" dirty="0" smtClean="0">
                               <a:latin typeface="Cambria Math" panose="02040503050406030204" pitchFamily="18" charset="0"/>
                             </a:rPr>
                           </m:ctrlPr>
@@ -7121,7 +7121,7 @@
             </p:txBody>
           </p:sp>
         </mc:Choice>
-        <mc:Fallback>
+        <mc:Fallback xmlns="">
           <p:sp>
             <p:nvSpPr>
               <p:cNvPr id="4" name="文本框 3">
@@ -7166,8 +7166,8 @@
           </p:sp>
         </mc:Fallback>
       </mc:AlternateContent>
-      <mc:AlternateContent xmlns:mc="http://schemas.openxmlformats.org/markup-compatibility/2006">
-        <mc:Choice xmlns:a14="http://schemas.microsoft.com/office/drawing/2010/main" Requires="a14">
+      <mc:AlternateContent xmlns:mc="http://schemas.openxmlformats.org/markup-compatibility/2006" xmlns:a14="http://schemas.microsoft.com/office/drawing/2010/main">
+        <mc:Choice Requires="a14">
           <p:sp>
             <p:nvSpPr>
               <p:cNvPr id="7" name="文本框 6">
@@ -7206,7 +7206,7 @@
                       <m:sSup>
                         <m:sSupPr>
                           <m:ctrlPr>
-                            <a:rPr lang="zh-CN" altLang="en-US" i="0" dirty="0" smtClean="0">
+                            <a:rPr lang="zh-CN" altLang="en-US" i="1" dirty="0" smtClean="0">
                               <a:latin typeface="Cambria Math" panose="02040503050406030204" pitchFamily="18" charset="0"/>
                             </a:rPr>
                           </m:ctrlPr>
@@ -7239,7 +7239,7 @@
             </p:txBody>
           </p:sp>
         </mc:Choice>
-        <mc:Fallback>
+        <mc:Fallback xmlns="">
           <p:sp>
             <p:nvSpPr>
               <p:cNvPr id="7" name="文本框 6">
@@ -7638,7 +7638,6 @@
           </a:bodyPr>
           <a:lstStyle/>
           <a:p>
-            <a:pPr/>
             <a:r>
               <a:rPr lang="en-US" altLang="zh-CN" dirty="0"/>
               <a:t>……</a:t>
@@ -9037,6 +9036,53 @@
       </p:grpSpPr>
       <p:sp>
         <p:nvSpPr>
+          <p:cNvPr id="3" name="矩形 2">
+            <a:extLst>
+              <a:ext uri="{FF2B5EF4-FFF2-40B4-BE49-F238E27FC236}">
+                <a16:creationId xmlns:a16="http://schemas.microsoft.com/office/drawing/2014/main" id="{AA9F7F2B-CE5B-4029-A55E-0CDF13C40942}"/>
+              </a:ext>
+            </a:extLst>
+          </p:cNvPr>
+          <p:cNvSpPr/>
+          <p:nvPr/>
+        </p:nvSpPr>
+        <p:spPr>
+          <a:xfrm>
+            <a:off x="3847915" y="91503"/>
+            <a:ext cx="5761608" cy="2840347"/>
+          </a:xfrm>
+          <a:prstGeom prst="rect">
+            <a:avLst/>
+          </a:prstGeom>
+          <a:ln>
+            <a:prstDash val="sysDot"/>
+          </a:ln>
+        </p:spPr>
+        <p:style>
+          <a:lnRef idx="2">
+            <a:schemeClr val="dk1"/>
+          </a:lnRef>
+          <a:fillRef idx="1">
+            <a:schemeClr val="lt1"/>
+          </a:fillRef>
+          <a:effectRef idx="0">
+            <a:schemeClr val="dk1"/>
+          </a:effectRef>
+          <a:fontRef idx="minor">
+            <a:schemeClr val="dk1"/>
+          </a:fontRef>
+        </p:style>
+        <p:txBody>
+          <a:bodyPr rtlCol="0" anchor="ctr"/>
+          <a:lstStyle/>
+          <a:p>
+            <a:pPr algn="ctr"/>
+            <a:endParaRPr lang="zh-CN" altLang="en-US" dirty="0"/>
+          </a:p>
+        </p:txBody>
+      </p:sp>
+      <p:sp>
+        <p:nvSpPr>
           <p:cNvPr id="4" name="矩形 3">
             <a:extLst>
               <a:ext uri="{FF2B5EF4-FFF2-40B4-BE49-F238E27FC236}">
@@ -9933,6 +9979,42 @@
           </a:fontRef>
         </p:style>
       </p:cxnSp>
+      <p:sp>
+        <p:nvSpPr>
+          <p:cNvPr id="5" name="文本框 4">
+            <a:extLst>
+              <a:ext uri="{FF2B5EF4-FFF2-40B4-BE49-F238E27FC236}">
+                <a16:creationId xmlns:a16="http://schemas.microsoft.com/office/drawing/2014/main" id="{93193377-DA05-46B3-BCE0-47D686E571B1}"/>
+              </a:ext>
+            </a:extLst>
+          </p:cNvPr>
+          <p:cNvSpPr txBox="1"/>
+          <p:nvPr/>
+        </p:nvSpPr>
+        <p:spPr>
+          <a:xfrm>
+            <a:off x="4124324" y="466725"/>
+            <a:ext cx="1666043" cy="369332"/>
+          </a:xfrm>
+          <a:prstGeom prst="rect">
+            <a:avLst/>
+          </a:prstGeom>
+          <a:noFill/>
+        </p:spPr>
+        <p:txBody>
+          <a:bodyPr wrap="square" rtlCol="0">
+            <a:spAutoFit/>
+          </a:bodyPr>
+          <a:lstStyle/>
+          <a:p>
+            <a:r>
+              <a:rPr lang="en-US" altLang="zh-CN" dirty="0"/>
+              <a:t>Cache Group</a:t>
+            </a:r>
+            <a:endParaRPr lang="zh-CN" altLang="en-US" dirty="0"/>
+          </a:p>
+        </p:txBody>
+      </p:sp>
     </p:spTree>
     <p:extLst>
       <p:ext uri="{BB962C8B-B14F-4D97-AF65-F5344CB8AC3E}">

--- a/picture.pptx
+++ b/picture.pptx
@@ -9036,6 +9036,100 @@
       </p:grpSpPr>
       <p:sp>
         <p:nvSpPr>
+          <p:cNvPr id="29" name="矩形 28">
+            <a:extLst>
+              <a:ext uri="{FF2B5EF4-FFF2-40B4-BE49-F238E27FC236}">
+                <a16:creationId xmlns:a16="http://schemas.microsoft.com/office/drawing/2014/main" id="{C16BA850-ACB2-461F-B040-AE91162B00FE}"/>
+              </a:ext>
+            </a:extLst>
+          </p:cNvPr>
+          <p:cNvSpPr/>
+          <p:nvPr/>
+        </p:nvSpPr>
+        <p:spPr>
+          <a:xfrm>
+            <a:off x="3847915" y="5289444"/>
+            <a:ext cx="5761608" cy="1308694"/>
+          </a:xfrm>
+          <a:prstGeom prst="rect">
+            <a:avLst/>
+          </a:prstGeom>
+          <a:ln>
+            <a:prstDash val="sysDot"/>
+          </a:ln>
+        </p:spPr>
+        <p:style>
+          <a:lnRef idx="2">
+            <a:schemeClr val="dk1"/>
+          </a:lnRef>
+          <a:fillRef idx="1">
+            <a:schemeClr val="lt1"/>
+          </a:fillRef>
+          <a:effectRef idx="0">
+            <a:schemeClr val="dk1"/>
+          </a:effectRef>
+          <a:fontRef idx="minor">
+            <a:schemeClr val="dk1"/>
+          </a:fontRef>
+        </p:style>
+        <p:txBody>
+          <a:bodyPr rtlCol="0" anchor="ctr"/>
+          <a:lstStyle/>
+          <a:p>
+            <a:pPr algn="ctr"/>
+            <a:endParaRPr lang="zh-CN" altLang="en-US" dirty="0"/>
+          </a:p>
+        </p:txBody>
+      </p:sp>
+      <p:sp>
+        <p:nvSpPr>
+          <p:cNvPr id="24" name="矩形 23">
+            <a:extLst>
+              <a:ext uri="{FF2B5EF4-FFF2-40B4-BE49-F238E27FC236}">
+                <a16:creationId xmlns:a16="http://schemas.microsoft.com/office/drawing/2014/main" id="{65FE65F7-65D7-4BA3-A407-C73C75311072}"/>
+              </a:ext>
+            </a:extLst>
+          </p:cNvPr>
+          <p:cNvSpPr/>
+          <p:nvPr/>
+        </p:nvSpPr>
+        <p:spPr>
+          <a:xfrm>
+            <a:off x="3847915" y="3070470"/>
+            <a:ext cx="5761608" cy="2044455"/>
+          </a:xfrm>
+          <a:prstGeom prst="rect">
+            <a:avLst/>
+          </a:prstGeom>
+          <a:ln>
+            <a:prstDash val="sysDot"/>
+          </a:ln>
+        </p:spPr>
+        <p:style>
+          <a:lnRef idx="2">
+            <a:schemeClr val="dk1"/>
+          </a:lnRef>
+          <a:fillRef idx="1">
+            <a:schemeClr val="lt1"/>
+          </a:fillRef>
+          <a:effectRef idx="0">
+            <a:schemeClr val="dk1"/>
+          </a:effectRef>
+          <a:fontRef idx="minor">
+            <a:schemeClr val="dk1"/>
+          </a:fontRef>
+        </p:style>
+        <p:txBody>
+          <a:bodyPr rtlCol="0" anchor="ctr"/>
+          <a:lstStyle/>
+          <a:p>
+            <a:pPr algn="ctr"/>
+            <a:endParaRPr lang="zh-CN" altLang="en-US" dirty="0"/>
+          </a:p>
+        </p:txBody>
+      </p:sp>
+      <p:sp>
+        <p:nvSpPr>
           <p:cNvPr id="3" name="矩形 2">
             <a:extLst>
               <a:ext uri="{FF2B5EF4-FFF2-40B4-BE49-F238E27FC236}">
@@ -9901,7 +9995,7 @@
         </p:nvSpPr>
         <p:spPr>
           <a:xfrm>
-            <a:off x="7406935" y="5506457"/>
+            <a:off x="7406935" y="5557874"/>
             <a:ext cx="1666043" cy="333652"/>
           </a:xfrm>
           <a:prstGeom prst="rect">
@@ -9947,18 +10041,19 @@
             </a:extLst>
           </p:cNvPr>
           <p:cNvCxnSpPr>
-            <a:stCxn id="68" idx="3"/>
-            <a:endCxn id="71" idx="1"/>
+            <a:cxnSpLocks/>
           </p:cNvCxnSpPr>
           <p:nvPr/>
         </p:nvCxnSpPr>
         <p:spPr>
           <a:xfrm flipV="1">
-            <a:off x="5094302" y="5673283"/>
+            <a:off x="5094301" y="5692169"/>
             <a:ext cx="2312633" cy="19428"/>
           </a:xfrm>
           <a:prstGeom prst="bentConnector3">
-            <a:avLst/>
+            <a:avLst>
+              <a:gd name="adj1" fmla="val 51236"/>
+            </a:avLst>
           </a:prstGeom>
           <a:ln>
             <a:tailEnd type="triangle"/>
@@ -10009,7 +10104,79 @@
           <a:p>
             <a:r>
               <a:rPr lang="en-US" altLang="zh-CN" dirty="0"/>
-              <a:t>Cache Group</a:t>
+              <a:t>Cache Group 1</a:t>
+            </a:r>
+            <a:endParaRPr lang="zh-CN" altLang="en-US" dirty="0"/>
+          </a:p>
+        </p:txBody>
+      </p:sp>
+      <p:sp>
+        <p:nvSpPr>
+          <p:cNvPr id="25" name="文本框 24">
+            <a:extLst>
+              <a:ext uri="{FF2B5EF4-FFF2-40B4-BE49-F238E27FC236}">
+                <a16:creationId xmlns:a16="http://schemas.microsoft.com/office/drawing/2014/main" id="{D237613A-9ED5-4DDD-8DFA-181F6BC96D15}"/>
+              </a:ext>
+            </a:extLst>
+          </p:cNvPr>
+          <p:cNvSpPr txBox="1"/>
+          <p:nvPr/>
+        </p:nvSpPr>
+        <p:spPr>
+          <a:xfrm>
+            <a:off x="4026762" y="3305542"/>
+            <a:ext cx="1666043" cy="369332"/>
+          </a:xfrm>
+          <a:prstGeom prst="rect">
+            <a:avLst/>
+          </a:prstGeom>
+          <a:noFill/>
+        </p:spPr>
+        <p:txBody>
+          <a:bodyPr wrap="square" rtlCol="0">
+            <a:spAutoFit/>
+          </a:bodyPr>
+          <a:lstStyle/>
+          <a:p>
+            <a:r>
+              <a:rPr lang="en-US" altLang="zh-CN" dirty="0"/>
+              <a:t>Cache Group 2</a:t>
+            </a:r>
+            <a:endParaRPr lang="zh-CN" altLang="en-US" dirty="0"/>
+          </a:p>
+        </p:txBody>
+      </p:sp>
+      <p:sp>
+        <p:nvSpPr>
+          <p:cNvPr id="26" name="文本框 25">
+            <a:extLst>
+              <a:ext uri="{FF2B5EF4-FFF2-40B4-BE49-F238E27FC236}">
+                <a16:creationId xmlns:a16="http://schemas.microsoft.com/office/drawing/2014/main" id="{FA9935BE-0FD2-429D-9C30-3C13FE9B3969}"/>
+              </a:ext>
+            </a:extLst>
+          </p:cNvPr>
+          <p:cNvSpPr txBox="1"/>
+          <p:nvPr/>
+        </p:nvSpPr>
+        <p:spPr>
+          <a:xfrm>
+            <a:off x="3978675" y="6171876"/>
+            <a:ext cx="1666043" cy="369332"/>
+          </a:xfrm>
+          <a:prstGeom prst="rect">
+            <a:avLst/>
+          </a:prstGeom>
+          <a:noFill/>
+        </p:spPr>
+        <p:txBody>
+          <a:bodyPr wrap="square" rtlCol="0">
+            <a:spAutoFit/>
+          </a:bodyPr>
+          <a:lstStyle/>
+          <a:p>
+            <a:r>
+              <a:rPr lang="en-US" altLang="zh-CN" dirty="0"/>
+              <a:t>Cache Group 3</a:t>
             </a:r>
             <a:endParaRPr lang="zh-CN" altLang="en-US" dirty="0"/>
           </a:p>
